--- a/Sprint Planning/Scrum meeting 1.pptx
+++ b/Sprint Planning/Scrum meeting 1.pptx
@@ -7,8 +7,11 @@
   <p:sldIdLst>
     <p:sldId id="256" r:id="rId2"/>
     <p:sldId id="257" r:id="rId3"/>
-    <p:sldId id="258" r:id="rId4"/>
-    <p:sldId id="259" r:id="rId5"/>
+    <p:sldId id="260" r:id="rId4"/>
+    <p:sldId id="261" r:id="rId5"/>
+    <p:sldId id="262" r:id="rId6"/>
+    <p:sldId id="258" r:id="rId7"/>
+    <p:sldId id="259" r:id="rId8"/>
   </p:sldIdLst>
   <p:sldSz cx="12192000" cy="6858000"/>
   <p:notesSz cx="6858000" cy="9144000"/>
@@ -450,7 +453,7 @@
           <a:p>
             <a:fld id="{C34F6E8B-E026-4B7D-A45E-5BA70612F966}" type="datetimeFigureOut">
               <a:rPr lang="en-US" smtClean="0"/>
-              <a:t>3/9/2021</a:t>
+              <a:t>3/10/2021</a:t>
             </a:fld>
             <a:endParaRPr lang="en-US"/>
           </a:p>
@@ -1538,7 +1541,7 @@
           <a:p>
             <a:fld id="{C34F6E8B-E026-4B7D-A45E-5BA70612F966}" type="datetimeFigureOut">
               <a:rPr lang="en-US" smtClean="0"/>
-              <a:t>3/9/2021</a:t>
+              <a:t>3/10/2021</a:t>
             </a:fld>
             <a:endParaRPr lang="en-US"/>
           </a:p>
@@ -2518,7 +2521,7 @@
           <a:p>
             <a:fld id="{C34F6E8B-E026-4B7D-A45E-5BA70612F966}" type="datetimeFigureOut">
               <a:rPr lang="en-US" smtClean="0"/>
-              <a:t>3/9/2021</a:t>
+              <a:t>3/10/2021</a:t>
             </a:fld>
             <a:endParaRPr lang="en-US"/>
           </a:p>
@@ -3652,7 +3655,7 @@
           <a:p>
             <a:fld id="{C34F6E8B-E026-4B7D-A45E-5BA70612F966}" type="datetimeFigureOut">
               <a:rPr lang="en-US" smtClean="0"/>
-              <a:t>3/9/2021</a:t>
+              <a:t>3/10/2021</a:t>
             </a:fld>
             <a:endParaRPr lang="en-US"/>
           </a:p>
@@ -4685,7 +4688,7 @@
           <a:p>
             <a:fld id="{C34F6E8B-E026-4B7D-A45E-5BA70612F966}" type="datetimeFigureOut">
               <a:rPr lang="en-US" smtClean="0"/>
-              <a:t>3/9/2021</a:t>
+              <a:t>3/10/2021</a:t>
             </a:fld>
             <a:endParaRPr lang="en-US"/>
           </a:p>
@@ -5345,7 +5348,7 @@
           <a:p>
             <a:fld id="{C34F6E8B-E026-4B7D-A45E-5BA70612F966}" type="datetimeFigureOut">
               <a:rPr lang="en-US" smtClean="0"/>
-              <a:t>3/9/2021</a:t>
+              <a:t>3/10/2021</a:t>
             </a:fld>
             <a:endParaRPr lang="en-US"/>
           </a:p>
@@ -6206,7 +6209,7 @@
           <a:p>
             <a:fld id="{C34F6E8B-E026-4B7D-A45E-5BA70612F966}" type="datetimeFigureOut">
               <a:rPr lang="en-US" smtClean="0"/>
-              <a:t>3/9/2021</a:t>
+              <a:t>3/10/2021</a:t>
             </a:fld>
             <a:endParaRPr lang="en-US"/>
           </a:p>
@@ -6396,7 +6399,7 @@
           <a:p>
             <a:fld id="{C34F6E8B-E026-4B7D-A45E-5BA70612F966}" type="datetimeFigureOut">
               <a:rPr lang="en-US" smtClean="0"/>
-              <a:t>3/9/2021</a:t>
+              <a:t>3/10/2021</a:t>
             </a:fld>
             <a:endParaRPr lang="en-US"/>
           </a:p>
@@ -7368,7 +7371,7 @@
           <a:p>
             <a:fld id="{C34F6E8B-E026-4B7D-A45E-5BA70612F966}" type="datetimeFigureOut">
               <a:rPr lang="en-US" smtClean="0"/>
-              <a:t>3/9/2021</a:t>
+              <a:t>3/10/2021</a:t>
             </a:fld>
             <a:endParaRPr lang="en-US"/>
           </a:p>
@@ -7579,7 +7582,7 @@
           <a:p>
             <a:fld id="{C34F6E8B-E026-4B7D-A45E-5BA70612F966}" type="datetimeFigureOut">
               <a:rPr lang="en-US" smtClean="0"/>
-              <a:t>3/9/2021</a:t>
+              <a:t>3/10/2021</a:t>
             </a:fld>
             <a:endParaRPr lang="en-US"/>
           </a:p>
@@ -8613,7 +8616,7 @@
           <a:p>
             <a:fld id="{C34F6E8B-E026-4B7D-A45E-5BA70612F966}" type="datetimeFigureOut">
               <a:rPr lang="en-US" smtClean="0"/>
-              <a:t>3/9/2021</a:t>
+              <a:t>3/10/2021</a:t>
             </a:fld>
             <a:endParaRPr lang="en-US"/>
           </a:p>
@@ -8885,7 +8888,7 @@
           <a:p>
             <a:fld id="{C34F6E8B-E026-4B7D-A45E-5BA70612F966}" type="datetimeFigureOut">
               <a:rPr lang="en-US" smtClean="0"/>
-              <a:t>3/9/2021</a:t>
+              <a:t>3/10/2021</a:t>
             </a:fld>
             <a:endParaRPr lang="en-US"/>
           </a:p>
@@ -9295,7 +9298,7 @@
           <a:p>
             <a:fld id="{C34F6E8B-E026-4B7D-A45E-5BA70612F966}" type="datetimeFigureOut">
               <a:rPr lang="en-US" smtClean="0"/>
-              <a:t>3/9/2021</a:t>
+              <a:t>3/10/2021</a:t>
             </a:fld>
             <a:endParaRPr lang="en-US"/>
           </a:p>
@@ -9422,7 +9425,7 @@
           <a:p>
             <a:fld id="{C34F6E8B-E026-4B7D-A45E-5BA70612F966}" type="datetimeFigureOut">
               <a:rPr lang="en-US" smtClean="0"/>
-              <a:t>3/9/2021</a:t>
+              <a:t>3/10/2021</a:t>
             </a:fld>
             <a:endParaRPr lang="en-US"/>
           </a:p>
@@ -9517,7 +9520,7 @@
           <a:p>
             <a:fld id="{C34F6E8B-E026-4B7D-A45E-5BA70612F966}" type="datetimeFigureOut">
               <a:rPr lang="en-US" smtClean="0"/>
-              <a:t>3/9/2021</a:t>
+              <a:t>3/10/2021</a:t>
             </a:fld>
             <a:endParaRPr lang="en-US"/>
           </a:p>
@@ -10598,7 +10601,7 @@
           <a:p>
             <a:fld id="{C34F6E8B-E026-4B7D-A45E-5BA70612F966}" type="datetimeFigureOut">
               <a:rPr lang="en-US" smtClean="0"/>
-              <a:t>3/9/2021</a:t>
+              <a:t>3/10/2021</a:t>
             </a:fld>
             <a:endParaRPr lang="en-US"/>
           </a:p>
@@ -11706,7 +11709,7 @@
           <a:p>
             <a:fld id="{C34F6E8B-E026-4B7D-A45E-5BA70612F966}" type="datetimeFigureOut">
               <a:rPr lang="en-US" smtClean="0"/>
-              <a:t>3/9/2021</a:t>
+              <a:t>3/10/2021</a:t>
             </a:fld>
             <a:endParaRPr lang="en-US"/>
           </a:p>
@@ -12703,7 +12706,7 @@
           <a:p>
             <a:fld id="{C34F6E8B-E026-4B7D-A45E-5BA70612F966}" type="datetimeFigureOut">
               <a:rPr lang="en-US" smtClean="0"/>
-              <a:t>3/9/2021</a:t>
+              <a:t>3/10/2021</a:t>
             </a:fld>
             <a:endParaRPr lang="en-US"/>
           </a:p>
@@ -13703,10 +13706,10 @@
       </p:sp>
       <p:sp>
         <p:nvSpPr>
-          <p:cNvPr id="3" name="Content Placeholder 2">
+          <p:cNvPr id="7" name="Content Placeholder 6">
             <a:extLst>
               <a:ext uri="{FF2B5EF4-FFF2-40B4-BE49-F238E27FC236}">
-                <a16:creationId xmlns:a16="http://schemas.microsoft.com/office/drawing/2014/main" id="{0D540737-A436-4649-9A93-03A888D65148}"/>
+                <a16:creationId xmlns:a16="http://schemas.microsoft.com/office/drawing/2014/main" id="{8ECCE279-D9AF-46BC-975F-66D4432D2DE4}"/>
               </a:ext>
             </a:extLst>
           </p:cNvPr>
@@ -13721,6 +13724,59 @@
         <p:txBody>
           <a:bodyPr/>
           <a:lstStyle/>
+          <a:p>
+            <a:r>
+              <a:rPr lang="en-US" dirty="0"/>
+              <a:t>GUI </a:t>
+            </a:r>
+            <a:r>
+              <a:rPr lang="en-US" dirty="0" err="1"/>
+              <a:t>ontwerpen</a:t>
+            </a:r>
+            <a:r>
+              <a:rPr lang="en-US" dirty="0"/>
+              <a:t> </a:t>
+            </a:r>
+            <a:r>
+              <a:rPr lang="en-US" dirty="0" err="1"/>
+              <a:t>en</a:t>
+            </a:r>
+            <a:r>
+              <a:rPr lang="en-US" dirty="0"/>
+              <a:t> </a:t>
+            </a:r>
+            <a:r>
+              <a:rPr lang="en-US" dirty="0" err="1"/>
+              <a:t>maken</a:t>
+            </a:r>
+            <a:endParaRPr lang="en-US" dirty="0"/>
+          </a:p>
+          <a:p>
+            <a:r>
+              <a:rPr lang="en-US" dirty="0" err="1"/>
+              <a:t>Onderzoek</a:t>
+            </a:r>
+            <a:r>
+              <a:rPr lang="en-US" dirty="0"/>
+              <a:t> </a:t>
+            </a:r>
+            <a:r>
+              <a:rPr lang="en-US" dirty="0" err="1"/>
+              <a:t>gedaan</a:t>
+            </a:r>
+            <a:r>
+              <a:rPr lang="en-US" dirty="0"/>
+              <a:t> </a:t>
+            </a:r>
+            <a:r>
+              <a:rPr lang="en-US" dirty="0" err="1"/>
+              <a:t>aan</a:t>
+            </a:r>
+            <a:r>
+              <a:rPr lang="en-US" dirty="0"/>
+              <a:t> de RFID </a:t>
+            </a:r>
+          </a:p>
           <a:p>
             <a:endParaRPr lang="en-US" dirty="0"/>
           </a:p>
@@ -13761,6 +13817,328 @@
           <p:cNvPr id="2" name="Title 1">
             <a:extLst>
               <a:ext uri="{FF2B5EF4-FFF2-40B4-BE49-F238E27FC236}">
+                <a16:creationId xmlns:a16="http://schemas.microsoft.com/office/drawing/2014/main" id="{B6337E3D-E719-4EE9-840B-CABC3729FE5A}"/>
+              </a:ext>
+            </a:extLst>
+          </p:cNvPr>
+          <p:cNvSpPr>
+            <a:spLocks noGrp="1"/>
+          </p:cNvSpPr>
+          <p:nvPr>
+            <p:ph type="title"/>
+          </p:nvPr>
+        </p:nvSpPr>
+        <p:spPr/>
+        <p:txBody>
+          <a:bodyPr/>
+          <a:lstStyle/>
+          <a:p>
+            <a:r>
+              <a:rPr lang="en-US" dirty="0"/>
+              <a:t>Pin </a:t>
+            </a:r>
+            <a:r>
+              <a:rPr lang="en-US" dirty="0" err="1"/>
+              <a:t>pagina</a:t>
+            </a:r>
+            <a:r>
+              <a:rPr lang="en-US" dirty="0"/>
+              <a:t> – 1ste </a:t>
+            </a:r>
+            <a:r>
+              <a:rPr lang="en-US" dirty="0" err="1"/>
+              <a:t>iteratie</a:t>
+            </a:r>
+            <a:endParaRPr lang="en-US" dirty="0"/>
+          </a:p>
+        </p:txBody>
+      </p:sp>
+      <p:pic>
+        <p:nvPicPr>
+          <p:cNvPr id="5" name="Content Placeholder 4">
+            <a:extLst>
+              <a:ext uri="{FF2B5EF4-FFF2-40B4-BE49-F238E27FC236}">
+                <a16:creationId xmlns:a16="http://schemas.microsoft.com/office/drawing/2014/main" id="{E394F1DA-C5CE-4C75-BAC6-B18DCEA12119}"/>
+              </a:ext>
+            </a:extLst>
+          </p:cNvPr>
+          <p:cNvPicPr>
+            <a:picLocks noGrp="1" noChangeAspect="1"/>
+          </p:cNvPicPr>
+          <p:nvPr>
+            <p:ph idx="1"/>
+          </p:nvPr>
+        </p:nvPicPr>
+        <p:blipFill>
+          <a:blip r:embed="rId2">
+            <a:extLst>
+              <a:ext uri="{28A0092B-C50C-407E-A947-70E740481C1C}">
+                <a14:useLocalDpi xmlns:a14="http://schemas.microsoft.com/office/drawing/2010/main" val="0"/>
+              </a:ext>
+            </a:extLst>
+          </a:blip>
+          <a:stretch>
+            <a:fillRect/>
+          </a:stretch>
+        </p:blipFill>
+        <p:spPr>
+          <a:xfrm>
+            <a:off x="1274876" y="2472856"/>
+            <a:ext cx="9174151" cy="4385144"/>
+          </a:xfrm>
+        </p:spPr>
+      </p:pic>
+    </p:spTree>
+    <p:extLst>
+      <p:ext uri="{BB962C8B-B14F-4D97-AF65-F5344CB8AC3E}">
+        <p14:creationId xmlns:p14="http://schemas.microsoft.com/office/powerpoint/2010/main" val="386305242"/>
+      </p:ext>
+    </p:extLst>
+  </p:cSld>
+  <p:clrMapOvr>
+    <a:masterClrMapping/>
+  </p:clrMapOvr>
+</p:sld>
+</file>
+
+<file path=ppt/slides/slide4.xml><?xml version="1.0" encoding="utf-8"?>
+<p:sld xmlns:a="http://schemas.openxmlformats.org/drawingml/2006/main" xmlns:r="http://schemas.openxmlformats.org/officeDocument/2006/relationships" xmlns:p="http://schemas.openxmlformats.org/presentationml/2006/main">
+  <p:cSld>
+    <p:spTree>
+      <p:nvGrpSpPr>
+        <p:cNvPr id="1" name=""/>
+        <p:cNvGrpSpPr/>
+        <p:nvPr/>
+      </p:nvGrpSpPr>
+      <p:grpSpPr>
+        <a:xfrm>
+          <a:off x="0" y="0"/>
+          <a:ext cx="0" cy="0"/>
+          <a:chOff x="0" y="0"/>
+          <a:chExt cx="0" cy="0"/>
+        </a:xfrm>
+      </p:grpSpPr>
+      <p:sp>
+        <p:nvSpPr>
+          <p:cNvPr id="2" name="Title 1">
+            <a:extLst>
+              <a:ext uri="{FF2B5EF4-FFF2-40B4-BE49-F238E27FC236}">
+                <a16:creationId xmlns:a16="http://schemas.microsoft.com/office/drawing/2014/main" id="{85E19C27-1BEC-47FF-8E5F-EE558C47B566}"/>
+              </a:ext>
+            </a:extLst>
+          </p:cNvPr>
+          <p:cNvSpPr>
+            <a:spLocks noGrp="1"/>
+          </p:cNvSpPr>
+          <p:nvPr>
+            <p:ph type="title"/>
+          </p:nvPr>
+        </p:nvSpPr>
+        <p:spPr/>
+        <p:txBody>
+          <a:bodyPr/>
+          <a:lstStyle/>
+          <a:p>
+            <a:r>
+              <a:rPr lang="en-US" dirty="0"/>
+              <a:t>Start </a:t>
+            </a:r>
+            <a:r>
+              <a:rPr lang="en-US" dirty="0" err="1"/>
+              <a:t>pagina</a:t>
+            </a:r>
+            <a:r>
+              <a:rPr lang="en-US" dirty="0"/>
+              <a:t> – 1ste </a:t>
+            </a:r>
+            <a:r>
+              <a:rPr lang="en-US" dirty="0" err="1"/>
+              <a:t>iteratie</a:t>
+            </a:r>
+            <a:endParaRPr lang="en-US" dirty="0"/>
+          </a:p>
+        </p:txBody>
+      </p:sp>
+      <p:pic>
+        <p:nvPicPr>
+          <p:cNvPr id="5" name="Content Placeholder 4">
+            <a:extLst>
+              <a:ext uri="{FF2B5EF4-FFF2-40B4-BE49-F238E27FC236}">
+                <a16:creationId xmlns:a16="http://schemas.microsoft.com/office/drawing/2014/main" id="{F8AE2463-F0F5-48EF-8A70-8490B0171F9C}"/>
+              </a:ext>
+            </a:extLst>
+          </p:cNvPr>
+          <p:cNvPicPr>
+            <a:picLocks noGrp="1" noChangeAspect="1"/>
+          </p:cNvPicPr>
+          <p:nvPr>
+            <p:ph idx="1"/>
+          </p:nvPr>
+        </p:nvPicPr>
+        <p:blipFill>
+          <a:blip r:embed="rId2">
+            <a:extLst>
+              <a:ext uri="{28A0092B-C50C-407E-A947-70E740481C1C}">
+                <a14:useLocalDpi xmlns:a14="http://schemas.microsoft.com/office/drawing/2010/main" val="0"/>
+              </a:ext>
+            </a:extLst>
+          </a:blip>
+          <a:stretch>
+            <a:fillRect/>
+          </a:stretch>
+        </p:blipFill>
+        <p:spPr>
+          <a:xfrm>
+            <a:off x="1417655" y="2368871"/>
+            <a:ext cx="8761413" cy="4190576"/>
+          </a:xfrm>
+        </p:spPr>
+      </p:pic>
+    </p:spTree>
+    <p:extLst>
+      <p:ext uri="{BB962C8B-B14F-4D97-AF65-F5344CB8AC3E}">
+        <p14:creationId xmlns:p14="http://schemas.microsoft.com/office/powerpoint/2010/main" val="393238049"/>
+      </p:ext>
+    </p:extLst>
+  </p:cSld>
+  <p:clrMapOvr>
+    <a:masterClrMapping/>
+  </p:clrMapOvr>
+</p:sld>
+</file>
+
+<file path=ppt/slides/slide5.xml><?xml version="1.0" encoding="utf-8"?>
+<p:sld xmlns:a="http://schemas.openxmlformats.org/drawingml/2006/main" xmlns:r="http://schemas.openxmlformats.org/officeDocument/2006/relationships" xmlns:p="http://schemas.openxmlformats.org/presentationml/2006/main">
+  <p:cSld>
+    <p:spTree>
+      <p:nvGrpSpPr>
+        <p:cNvPr id="1" name=""/>
+        <p:cNvGrpSpPr/>
+        <p:nvPr/>
+      </p:nvGrpSpPr>
+      <p:grpSpPr>
+        <a:xfrm>
+          <a:off x="0" y="0"/>
+          <a:ext cx="0" cy="0"/>
+          <a:chOff x="0" y="0"/>
+          <a:chExt cx="0" cy="0"/>
+        </a:xfrm>
+      </p:grpSpPr>
+      <p:sp>
+        <p:nvSpPr>
+          <p:cNvPr id="2" name="Title 1">
+            <a:extLst>
+              <a:ext uri="{FF2B5EF4-FFF2-40B4-BE49-F238E27FC236}">
+                <a16:creationId xmlns:a16="http://schemas.microsoft.com/office/drawing/2014/main" id="{E3010D1B-8A31-4E6D-B497-FD9E51D77D11}"/>
+              </a:ext>
+            </a:extLst>
+          </p:cNvPr>
+          <p:cNvSpPr>
+            <a:spLocks noGrp="1"/>
+          </p:cNvSpPr>
+          <p:nvPr>
+            <p:ph type="title"/>
+          </p:nvPr>
+        </p:nvSpPr>
+        <p:spPr/>
+        <p:txBody>
+          <a:bodyPr/>
+          <a:lstStyle/>
+          <a:p>
+            <a:r>
+              <a:rPr lang="en-US" dirty="0" err="1"/>
+              <a:t>Openemen</a:t>
+            </a:r>
+            <a:r>
+              <a:rPr lang="en-US" dirty="0"/>
+              <a:t> </a:t>
+            </a:r>
+            <a:r>
+              <a:rPr lang="en-US" dirty="0" err="1"/>
+              <a:t>Pagina</a:t>
+            </a:r>
+            <a:r>
+              <a:rPr lang="en-US" dirty="0"/>
+              <a:t> – 1ste </a:t>
+            </a:r>
+            <a:r>
+              <a:rPr lang="en-US" dirty="0" err="1"/>
+              <a:t>iteratie</a:t>
+            </a:r>
+            <a:endParaRPr lang="en-US" dirty="0"/>
+          </a:p>
+        </p:txBody>
+      </p:sp>
+      <p:pic>
+        <p:nvPicPr>
+          <p:cNvPr id="5" name="Content Placeholder 4">
+            <a:extLst>
+              <a:ext uri="{FF2B5EF4-FFF2-40B4-BE49-F238E27FC236}">
+                <a16:creationId xmlns:a16="http://schemas.microsoft.com/office/drawing/2014/main" id="{F729B2E3-E38B-4E88-B47E-8D5B49BFD947}"/>
+              </a:ext>
+            </a:extLst>
+          </p:cNvPr>
+          <p:cNvPicPr>
+            <a:picLocks noGrp="1" noChangeAspect="1"/>
+          </p:cNvPicPr>
+          <p:nvPr>
+            <p:ph idx="1"/>
+          </p:nvPr>
+        </p:nvPicPr>
+        <p:blipFill>
+          <a:blip r:embed="rId2">
+            <a:extLst>
+              <a:ext uri="{28A0092B-C50C-407E-A947-70E740481C1C}">
+                <a14:useLocalDpi xmlns:a14="http://schemas.microsoft.com/office/drawing/2010/main" val="0"/>
+              </a:ext>
+            </a:extLst>
+          </a:blip>
+          <a:stretch>
+            <a:fillRect/>
+          </a:stretch>
+        </p:blipFill>
+        <p:spPr>
+          <a:xfrm>
+            <a:off x="899409" y="2438607"/>
+            <a:ext cx="9615851" cy="4067123"/>
+          </a:xfrm>
+        </p:spPr>
+      </p:pic>
+    </p:spTree>
+    <p:extLst>
+      <p:ext uri="{BB962C8B-B14F-4D97-AF65-F5344CB8AC3E}">
+        <p14:creationId xmlns:p14="http://schemas.microsoft.com/office/powerpoint/2010/main" val="3749715547"/>
+      </p:ext>
+    </p:extLst>
+  </p:cSld>
+  <p:clrMapOvr>
+    <a:masterClrMapping/>
+  </p:clrMapOvr>
+</p:sld>
+</file>
+
+<file path=ppt/slides/slide6.xml><?xml version="1.0" encoding="utf-8"?>
+<p:sld xmlns:a="http://schemas.openxmlformats.org/drawingml/2006/main" xmlns:r="http://schemas.openxmlformats.org/officeDocument/2006/relationships" xmlns:p="http://schemas.openxmlformats.org/presentationml/2006/main">
+  <p:cSld>
+    <p:spTree>
+      <p:nvGrpSpPr>
+        <p:cNvPr id="1" name=""/>
+        <p:cNvGrpSpPr/>
+        <p:nvPr/>
+      </p:nvGrpSpPr>
+      <p:grpSpPr>
+        <a:xfrm>
+          <a:off x="0" y="0"/>
+          <a:ext cx="0" cy="0"/>
+          <a:chOff x="0" y="0"/>
+          <a:chExt cx="0" cy="0"/>
+        </a:xfrm>
+      </p:grpSpPr>
+      <p:sp>
+        <p:nvSpPr>
+          <p:cNvPr id="2" name="Title 1">
+            <a:extLst>
+              <a:ext uri="{FF2B5EF4-FFF2-40B4-BE49-F238E27FC236}">
                 <a16:creationId xmlns:a16="http://schemas.microsoft.com/office/drawing/2014/main" id="{021F3197-4395-4926-87A6-82219B57B42C}"/>
               </a:ext>
             </a:extLst>
@@ -13826,7 +14204,7 @@
 </p:sld>
 </file>
 
-<file path=ppt/slides/slide4.xml><?xml version="1.0" encoding="utf-8"?>
+<file path=ppt/slides/slide7.xml><?xml version="1.0" encoding="utf-8"?>
 <p:sld xmlns:a="http://schemas.openxmlformats.org/drawingml/2006/main" xmlns:r="http://schemas.openxmlformats.org/officeDocument/2006/relationships" xmlns:p="http://schemas.openxmlformats.org/presentationml/2006/main">
   <p:cSld>
     <p:spTree>

--- a/Sprint Planning/Scrum meeting 1.pptx
+++ b/Sprint Planning/Scrum meeting 1.pptx
@@ -13843,7 +13843,15 @@
             </a:r>
             <a:r>
               <a:rPr lang="en-US" dirty="0"/>
-              <a:t> – 1ste </a:t>
+              <a:t> – </a:t>
+            </a:r>
+            <a:r>
+              <a:rPr lang="en-US" dirty="0" err="1"/>
+              <a:t>Eerste</a:t>
+            </a:r>
+            <a:r>
+              <a:rPr lang="en-US" dirty="0"/>
+              <a:t> </a:t>
             </a:r>
             <a:r>
               <a:rPr lang="en-US" dirty="0" err="1"/>
@@ -13949,7 +13957,15 @@
             </a:r>
             <a:r>
               <a:rPr lang="en-US" dirty="0"/>
-              <a:t> – 1ste </a:t>
+              <a:t> – </a:t>
+            </a:r>
+            <a:r>
+              <a:rPr lang="en-US" dirty="0" err="1"/>
+              <a:t>Eerste</a:t>
+            </a:r>
+            <a:r>
+              <a:rPr lang="en-US" dirty="0"/>
+              <a:t> </a:t>
             </a:r>
             <a:r>
               <a:rPr lang="en-US" dirty="0" err="1"/>
@@ -14059,7 +14075,15 @@
             </a:r>
             <a:r>
               <a:rPr lang="en-US" dirty="0"/>
-              <a:t> – 1ste </a:t>
+              <a:t> – </a:t>
+            </a:r>
+            <a:r>
+              <a:rPr lang="en-US" dirty="0" err="1"/>
+              <a:t>Eerste</a:t>
+            </a:r>
+            <a:r>
+              <a:rPr lang="en-US" dirty="0"/>
+              <a:t> </a:t>
             </a:r>
             <a:r>
               <a:rPr lang="en-US" dirty="0" err="1"/>

--- a/Sprint Planning/Scrum meeting 1.pptx
+++ b/Sprint Planning/Scrum meeting 1.pptx
@@ -7,11 +7,13 @@
   <p:sldIdLst>
     <p:sldId id="256" r:id="rId2"/>
     <p:sldId id="257" r:id="rId3"/>
-    <p:sldId id="260" r:id="rId4"/>
-    <p:sldId id="261" r:id="rId5"/>
-    <p:sldId id="262" r:id="rId6"/>
-    <p:sldId id="258" r:id="rId7"/>
-    <p:sldId id="259" r:id="rId8"/>
+    <p:sldId id="261" r:id="rId4"/>
+    <p:sldId id="262" r:id="rId5"/>
+    <p:sldId id="264" r:id="rId6"/>
+    <p:sldId id="263" r:id="rId7"/>
+    <p:sldId id="265" r:id="rId8"/>
+    <p:sldId id="258" r:id="rId9"/>
+    <p:sldId id="259" r:id="rId10"/>
   </p:sldIdLst>
   <p:sldSz cx="12192000" cy="6858000"/>
   <p:notesSz cx="6858000" cy="9144000"/>
@@ -453,7 +455,7 @@
           <a:p>
             <a:fld id="{C34F6E8B-E026-4B7D-A45E-5BA70612F966}" type="datetimeFigureOut">
               <a:rPr lang="en-US" smtClean="0"/>
-              <a:t>3/10/2021</a:t>
+              <a:t>3/11/2021</a:t>
             </a:fld>
             <a:endParaRPr lang="en-US"/>
           </a:p>
@@ -551,7 +553,7 @@
           <a:p>
             <a:fld id="{30AD6E34-C52E-4FE7-B506-5972A2E44F2E}" type="slidenum">
               <a:rPr lang="en-US" smtClean="0"/>
-              <a:t>‹#›</a:t>
+              <a:t>‹nr.›</a:t>
             </a:fld>
             <a:endParaRPr lang="en-US"/>
           </a:p>
@@ -1541,7 +1543,7 @@
           <a:p>
             <a:fld id="{C34F6E8B-E026-4B7D-A45E-5BA70612F966}" type="datetimeFigureOut">
               <a:rPr lang="en-US" smtClean="0"/>
-              <a:t>3/10/2021</a:t>
+              <a:t>3/11/2021</a:t>
             </a:fld>
             <a:endParaRPr lang="en-US"/>
           </a:p>
@@ -1619,7 +1621,7 @@
           <a:p>
             <a:fld id="{30AD6E34-C52E-4FE7-B506-5972A2E44F2E}" type="slidenum">
               <a:rPr lang="en-US" smtClean="0"/>
-              <a:t>‹#›</a:t>
+              <a:t>‹nr.›</a:t>
             </a:fld>
             <a:endParaRPr lang="en-US"/>
           </a:p>
@@ -2521,7 +2523,7 @@
           <a:p>
             <a:fld id="{C34F6E8B-E026-4B7D-A45E-5BA70612F966}" type="datetimeFigureOut">
               <a:rPr lang="en-US" smtClean="0"/>
-              <a:t>3/10/2021</a:t>
+              <a:t>3/11/2021</a:t>
             </a:fld>
             <a:endParaRPr lang="en-US"/>
           </a:p>
@@ -2599,7 +2601,7 @@
           <a:p>
             <a:fld id="{30AD6E34-C52E-4FE7-B506-5972A2E44F2E}" type="slidenum">
               <a:rPr lang="en-US" smtClean="0"/>
-              <a:t>‹#›</a:t>
+              <a:t>‹nr.›</a:t>
             </a:fld>
             <a:endParaRPr lang="en-US"/>
           </a:p>
@@ -3655,7 +3657,7 @@
           <a:p>
             <a:fld id="{C34F6E8B-E026-4B7D-A45E-5BA70612F966}" type="datetimeFigureOut">
               <a:rPr lang="en-US" smtClean="0"/>
-              <a:t>3/10/2021</a:t>
+              <a:t>3/11/2021</a:t>
             </a:fld>
             <a:endParaRPr lang="en-US"/>
           </a:p>
@@ -3733,7 +3735,7 @@
           <a:p>
             <a:fld id="{30AD6E34-C52E-4FE7-B506-5972A2E44F2E}" type="slidenum">
               <a:rPr lang="en-US" smtClean="0"/>
-              <a:t>‹#›</a:t>
+              <a:t>‹nr.›</a:t>
             </a:fld>
             <a:endParaRPr lang="en-US"/>
           </a:p>
@@ -4688,7 +4690,7 @@
           <a:p>
             <a:fld id="{C34F6E8B-E026-4B7D-A45E-5BA70612F966}" type="datetimeFigureOut">
               <a:rPr lang="en-US" smtClean="0"/>
-              <a:t>3/10/2021</a:t>
+              <a:t>3/11/2021</a:t>
             </a:fld>
             <a:endParaRPr lang="en-US"/>
           </a:p>
@@ -4766,7 +4768,7 @@
           <a:p>
             <a:fld id="{30AD6E34-C52E-4FE7-B506-5972A2E44F2E}" type="slidenum">
               <a:rPr lang="en-US" smtClean="0"/>
-              <a:t>‹#›</a:t>
+              <a:t>‹nr.›</a:t>
             </a:fld>
             <a:endParaRPr lang="en-US"/>
           </a:p>
@@ -5348,7 +5350,7 @@
           <a:p>
             <a:fld id="{C34F6E8B-E026-4B7D-A45E-5BA70612F966}" type="datetimeFigureOut">
               <a:rPr lang="en-US" smtClean="0"/>
-              <a:t>3/10/2021</a:t>
+              <a:t>3/11/2021</a:t>
             </a:fld>
             <a:endParaRPr lang="en-US"/>
           </a:p>
@@ -5390,7 +5392,7 @@
           <a:p>
             <a:fld id="{30AD6E34-C52E-4FE7-B506-5972A2E44F2E}" type="slidenum">
               <a:rPr lang="en-US" smtClean="0"/>
-              <a:t>‹#›</a:t>
+              <a:t>‹nr.›</a:t>
             </a:fld>
             <a:endParaRPr lang="en-US"/>
           </a:p>
@@ -6209,7 +6211,7 @@
           <a:p>
             <a:fld id="{C34F6E8B-E026-4B7D-A45E-5BA70612F966}" type="datetimeFigureOut">
               <a:rPr lang="en-US" smtClean="0"/>
-              <a:t>3/10/2021</a:t>
+              <a:t>3/11/2021</a:t>
             </a:fld>
             <a:endParaRPr lang="en-US"/>
           </a:p>
@@ -6256,7 +6258,7 @@
           <a:p>
             <a:fld id="{30AD6E34-C52E-4FE7-B506-5972A2E44F2E}" type="slidenum">
               <a:rPr lang="en-US" smtClean="0"/>
-              <a:t>‹#›</a:t>
+              <a:t>‹nr.›</a:t>
             </a:fld>
             <a:endParaRPr lang="en-US"/>
           </a:p>
@@ -6399,7 +6401,7 @@
           <a:p>
             <a:fld id="{C34F6E8B-E026-4B7D-A45E-5BA70612F966}" type="datetimeFigureOut">
               <a:rPr lang="en-US" smtClean="0"/>
-              <a:t>3/10/2021</a:t>
+              <a:t>3/11/2021</a:t>
             </a:fld>
             <a:endParaRPr lang="en-US"/>
           </a:p>
@@ -6441,7 +6443,7 @@
           <a:p>
             <a:fld id="{30AD6E34-C52E-4FE7-B506-5972A2E44F2E}" type="slidenum">
               <a:rPr lang="en-US" smtClean="0"/>
-              <a:t>‹#›</a:t>
+              <a:t>‹nr.›</a:t>
             </a:fld>
             <a:endParaRPr lang="en-US"/>
           </a:p>
@@ -7371,7 +7373,7 @@
           <a:p>
             <a:fld id="{C34F6E8B-E026-4B7D-A45E-5BA70612F966}" type="datetimeFigureOut">
               <a:rPr lang="en-US" smtClean="0"/>
-              <a:t>3/10/2021</a:t>
+              <a:t>3/11/2021</a:t>
             </a:fld>
             <a:endParaRPr lang="en-US"/>
           </a:p>
@@ -7449,7 +7451,7 @@
           <a:p>
             <a:fld id="{30AD6E34-C52E-4FE7-B506-5972A2E44F2E}" type="slidenum">
               <a:rPr lang="en-US" smtClean="0"/>
-              <a:t>‹#›</a:t>
+              <a:t>‹nr.›</a:t>
             </a:fld>
             <a:endParaRPr lang="en-US"/>
           </a:p>
@@ -7582,7 +7584,7 @@
           <a:p>
             <a:fld id="{C34F6E8B-E026-4B7D-A45E-5BA70612F966}" type="datetimeFigureOut">
               <a:rPr lang="en-US" smtClean="0"/>
-              <a:t>3/10/2021</a:t>
+              <a:t>3/11/2021</a:t>
             </a:fld>
             <a:endParaRPr lang="en-US"/>
           </a:p>
@@ -7624,7 +7626,7 @@
           <a:p>
             <a:fld id="{30AD6E34-C52E-4FE7-B506-5972A2E44F2E}" type="slidenum">
               <a:rPr lang="en-US" smtClean="0"/>
-              <a:t>‹#›</a:t>
+              <a:t>‹nr.›</a:t>
             </a:fld>
             <a:endParaRPr lang="en-US"/>
           </a:p>
@@ -8616,7 +8618,7 @@
           <a:p>
             <a:fld id="{C34F6E8B-E026-4B7D-A45E-5BA70612F966}" type="datetimeFigureOut">
               <a:rPr lang="en-US" smtClean="0"/>
-              <a:t>3/10/2021</a:t>
+              <a:t>3/11/2021</a:t>
             </a:fld>
             <a:endParaRPr lang="en-US"/>
           </a:p>
@@ -8694,7 +8696,7 @@
           <a:p>
             <a:fld id="{30AD6E34-C52E-4FE7-B506-5972A2E44F2E}" type="slidenum">
               <a:rPr lang="en-US" smtClean="0"/>
-              <a:t>‹#›</a:t>
+              <a:t>‹nr.›</a:t>
             </a:fld>
             <a:endParaRPr lang="en-US"/>
           </a:p>
@@ -8888,7 +8890,7 @@
           <a:p>
             <a:fld id="{C34F6E8B-E026-4B7D-A45E-5BA70612F966}" type="datetimeFigureOut">
               <a:rPr lang="en-US" smtClean="0"/>
-              <a:t>3/10/2021</a:t>
+              <a:t>3/11/2021</a:t>
             </a:fld>
             <a:endParaRPr lang="en-US"/>
           </a:p>
@@ -8930,7 +8932,7 @@
           <a:p>
             <a:fld id="{30AD6E34-C52E-4FE7-B506-5972A2E44F2E}" type="slidenum">
               <a:rPr lang="en-US" smtClean="0"/>
-              <a:t>‹#›</a:t>
+              <a:t>‹nr.›</a:t>
             </a:fld>
             <a:endParaRPr lang="en-US"/>
           </a:p>
@@ -9298,7 +9300,7 @@
           <a:p>
             <a:fld id="{C34F6E8B-E026-4B7D-A45E-5BA70612F966}" type="datetimeFigureOut">
               <a:rPr lang="en-US" smtClean="0"/>
-              <a:t>3/10/2021</a:t>
+              <a:t>3/11/2021</a:t>
             </a:fld>
             <a:endParaRPr lang="en-US"/>
           </a:p>
@@ -9340,7 +9342,7 @@
           <a:p>
             <a:fld id="{30AD6E34-C52E-4FE7-B506-5972A2E44F2E}" type="slidenum">
               <a:rPr lang="en-US" smtClean="0"/>
-              <a:t>‹#›</a:t>
+              <a:t>‹nr.›</a:t>
             </a:fld>
             <a:endParaRPr lang="en-US"/>
           </a:p>
@@ -9425,7 +9427,7 @@
           <a:p>
             <a:fld id="{C34F6E8B-E026-4B7D-A45E-5BA70612F966}" type="datetimeFigureOut">
               <a:rPr lang="en-US" smtClean="0"/>
-              <a:t>3/10/2021</a:t>
+              <a:t>3/11/2021</a:t>
             </a:fld>
             <a:endParaRPr lang="en-US"/>
           </a:p>
@@ -9467,7 +9469,7 @@
           <a:p>
             <a:fld id="{30AD6E34-C52E-4FE7-B506-5972A2E44F2E}" type="slidenum">
               <a:rPr lang="en-US" smtClean="0"/>
-              <a:t>‹#›</a:t>
+              <a:t>‹nr.›</a:t>
             </a:fld>
             <a:endParaRPr lang="en-US"/>
           </a:p>
@@ -9520,7 +9522,7 @@
           <a:p>
             <a:fld id="{C34F6E8B-E026-4B7D-A45E-5BA70612F966}" type="datetimeFigureOut">
               <a:rPr lang="en-US" smtClean="0"/>
-              <a:t>3/10/2021</a:t>
+              <a:t>3/11/2021</a:t>
             </a:fld>
             <a:endParaRPr lang="en-US"/>
           </a:p>
@@ -9598,7 +9600,7 @@
           <a:p>
             <a:fld id="{30AD6E34-C52E-4FE7-B506-5972A2E44F2E}" type="slidenum">
               <a:rPr lang="en-US" smtClean="0"/>
-              <a:t>‹#›</a:t>
+              <a:t>‹nr.›</a:t>
             </a:fld>
             <a:endParaRPr lang="en-US"/>
           </a:p>
@@ -10601,7 +10603,7 @@
           <a:p>
             <a:fld id="{C34F6E8B-E026-4B7D-A45E-5BA70612F966}" type="datetimeFigureOut">
               <a:rPr lang="en-US" smtClean="0"/>
-              <a:t>3/10/2021</a:t>
+              <a:t>3/11/2021</a:t>
             </a:fld>
             <a:endParaRPr lang="en-US"/>
           </a:p>
@@ -10679,7 +10681,7 @@
           <a:p>
             <a:fld id="{30AD6E34-C52E-4FE7-B506-5972A2E44F2E}" type="slidenum">
               <a:rPr lang="en-US" smtClean="0"/>
-              <a:t>‹#›</a:t>
+              <a:t>‹nr.›</a:t>
             </a:fld>
             <a:endParaRPr lang="en-US"/>
           </a:p>
@@ -11709,7 +11711,7 @@
           <a:p>
             <a:fld id="{C34F6E8B-E026-4B7D-A45E-5BA70612F966}" type="datetimeFigureOut">
               <a:rPr lang="en-US" smtClean="0"/>
-              <a:t>3/10/2021</a:t>
+              <a:t>3/11/2021</a:t>
             </a:fld>
             <a:endParaRPr lang="en-US"/>
           </a:p>
@@ -11787,7 +11789,7 @@
           <a:p>
             <a:fld id="{30AD6E34-C52E-4FE7-B506-5972A2E44F2E}" type="slidenum">
               <a:rPr lang="en-US" smtClean="0"/>
-              <a:t>‹#›</a:t>
+              <a:t>‹nr.›</a:t>
             </a:fld>
             <a:endParaRPr lang="en-US"/>
           </a:p>
@@ -12706,7 +12708,7 @@
           <a:p>
             <a:fld id="{C34F6E8B-E026-4B7D-A45E-5BA70612F966}" type="datetimeFigureOut">
               <a:rPr lang="en-US" smtClean="0"/>
-              <a:t>3/10/2021</a:t>
+              <a:t>3/11/2021</a:t>
             </a:fld>
             <a:endParaRPr lang="en-US"/>
           </a:p>
@@ -12816,7 +12818,7 @@
           <a:p>
             <a:fld id="{30AD6E34-C52E-4FE7-B506-5972A2E44F2E}" type="slidenum">
               <a:rPr lang="en-US" smtClean="0"/>
-              <a:t>‹#›</a:t>
+              <a:t>‹nr.›</a:t>
             </a:fld>
             <a:endParaRPr lang="en-US"/>
           </a:p>
@@ -13344,7 +13346,7 @@
           <a:lstStyle/>
           <a:p>
             <a:pPr algn="ctr"/>
-            <a:endParaRPr lang="en-US"/>
+            <a:endParaRPr lang="en-US" dirty="0"/>
           </a:p>
         </p:txBody>
       </p:sp>
@@ -13540,7 +13542,7 @@
           <a:p>
             <a:pPr algn="r"/>
             <a:r>
-              <a:rPr lang="en-US">
+              <a:rPr lang="en-US" dirty="0">
                 <a:solidFill>
                   <a:schemeClr val="tx1"/>
                 </a:solidFill>
@@ -13631,14 +13633,14 @@
           </a:bodyPr>
           <a:lstStyle/>
           <a:p>
-            <a:endParaRPr lang="en-US">
+            <a:endParaRPr lang="en-US" dirty="0">
               <a:solidFill>
                 <a:schemeClr val="tx1"/>
               </a:solidFill>
             </a:endParaRPr>
           </a:p>
           <a:p>
-            <a:endParaRPr lang="en-US">
+            <a:endParaRPr lang="en-US" dirty="0">
               <a:solidFill>
                 <a:schemeClr val="tx1"/>
               </a:solidFill>
@@ -13817,120 +13819,6 @@
           <p:cNvPr id="2" name="Title 1">
             <a:extLst>
               <a:ext uri="{FF2B5EF4-FFF2-40B4-BE49-F238E27FC236}">
-                <a16:creationId xmlns:a16="http://schemas.microsoft.com/office/drawing/2014/main" id="{B6337E3D-E719-4EE9-840B-CABC3729FE5A}"/>
-              </a:ext>
-            </a:extLst>
-          </p:cNvPr>
-          <p:cNvSpPr>
-            <a:spLocks noGrp="1"/>
-          </p:cNvSpPr>
-          <p:nvPr>
-            <p:ph type="title"/>
-          </p:nvPr>
-        </p:nvSpPr>
-        <p:spPr/>
-        <p:txBody>
-          <a:bodyPr/>
-          <a:lstStyle/>
-          <a:p>
-            <a:r>
-              <a:rPr lang="en-US" dirty="0"/>
-              <a:t>Pin </a:t>
-            </a:r>
-            <a:r>
-              <a:rPr lang="en-US" dirty="0" err="1"/>
-              <a:t>pagina</a:t>
-            </a:r>
-            <a:r>
-              <a:rPr lang="en-US" dirty="0"/>
-              <a:t> – </a:t>
-            </a:r>
-            <a:r>
-              <a:rPr lang="en-US" dirty="0" err="1"/>
-              <a:t>Eerste</a:t>
-            </a:r>
-            <a:r>
-              <a:rPr lang="en-US" dirty="0"/>
-              <a:t> </a:t>
-            </a:r>
-            <a:r>
-              <a:rPr lang="en-US" dirty="0" err="1"/>
-              <a:t>iteratie</a:t>
-            </a:r>
-            <a:endParaRPr lang="en-US" dirty="0"/>
-          </a:p>
-        </p:txBody>
-      </p:sp>
-      <p:pic>
-        <p:nvPicPr>
-          <p:cNvPr id="5" name="Content Placeholder 4">
-            <a:extLst>
-              <a:ext uri="{FF2B5EF4-FFF2-40B4-BE49-F238E27FC236}">
-                <a16:creationId xmlns:a16="http://schemas.microsoft.com/office/drawing/2014/main" id="{E394F1DA-C5CE-4C75-BAC6-B18DCEA12119}"/>
-              </a:ext>
-            </a:extLst>
-          </p:cNvPr>
-          <p:cNvPicPr>
-            <a:picLocks noGrp="1" noChangeAspect="1"/>
-          </p:cNvPicPr>
-          <p:nvPr>
-            <p:ph idx="1"/>
-          </p:nvPr>
-        </p:nvPicPr>
-        <p:blipFill>
-          <a:blip r:embed="rId2">
-            <a:extLst>
-              <a:ext uri="{28A0092B-C50C-407E-A947-70E740481C1C}">
-                <a14:useLocalDpi xmlns:a14="http://schemas.microsoft.com/office/drawing/2010/main" val="0"/>
-              </a:ext>
-            </a:extLst>
-          </a:blip>
-          <a:stretch>
-            <a:fillRect/>
-          </a:stretch>
-        </p:blipFill>
-        <p:spPr>
-          <a:xfrm>
-            <a:off x="1274876" y="2472856"/>
-            <a:ext cx="9174151" cy="4385144"/>
-          </a:xfrm>
-        </p:spPr>
-      </p:pic>
-    </p:spTree>
-    <p:extLst>
-      <p:ext uri="{BB962C8B-B14F-4D97-AF65-F5344CB8AC3E}">
-        <p14:creationId xmlns:p14="http://schemas.microsoft.com/office/powerpoint/2010/main" val="386305242"/>
-      </p:ext>
-    </p:extLst>
-  </p:cSld>
-  <p:clrMapOvr>
-    <a:masterClrMapping/>
-  </p:clrMapOvr>
-</p:sld>
-</file>
-
-<file path=ppt/slides/slide4.xml><?xml version="1.0" encoding="utf-8"?>
-<p:sld xmlns:a="http://schemas.openxmlformats.org/drawingml/2006/main" xmlns:r="http://schemas.openxmlformats.org/officeDocument/2006/relationships" xmlns:p="http://schemas.openxmlformats.org/presentationml/2006/main">
-  <p:cSld>
-    <p:spTree>
-      <p:nvGrpSpPr>
-        <p:cNvPr id="1" name=""/>
-        <p:cNvGrpSpPr/>
-        <p:nvPr/>
-      </p:nvGrpSpPr>
-      <p:grpSpPr>
-        <a:xfrm>
-          <a:off x="0" y="0"/>
-          <a:ext cx="0" cy="0"/>
-          <a:chOff x="0" y="0"/>
-          <a:chExt cx="0" cy="0"/>
-        </a:xfrm>
-      </p:grpSpPr>
-      <p:sp>
-        <p:nvSpPr>
-          <p:cNvPr id="2" name="Title 1">
-            <a:extLst>
-              <a:ext uri="{FF2B5EF4-FFF2-40B4-BE49-F238E27FC236}">
                 <a16:creationId xmlns:a16="http://schemas.microsoft.com/office/drawing/2014/main" id="{85E19C27-1BEC-47FF-8E5F-EE558C47B566}"/>
               </a:ext>
             </a:extLst>
@@ -13975,39 +13863,59 @@
           </a:p>
         </p:txBody>
       </p:sp>
+      <p:sp>
+        <p:nvSpPr>
+          <p:cNvPr id="6" name="Tijdelijke aanduiding voor inhoud 5">
+            <a:extLst>
+              <a:ext uri="{FF2B5EF4-FFF2-40B4-BE49-F238E27FC236}">
+                <a16:creationId xmlns:a16="http://schemas.microsoft.com/office/drawing/2014/main" id="{CE29CD76-DD61-4211-945A-7686A77243F4}"/>
+              </a:ext>
+            </a:extLst>
+          </p:cNvPr>
+          <p:cNvSpPr>
+            <a:spLocks noGrp="1"/>
+          </p:cNvSpPr>
+          <p:nvPr>
+            <p:ph idx="1"/>
+          </p:nvPr>
+        </p:nvSpPr>
+        <p:spPr/>
+        <p:txBody>
+          <a:bodyPr/>
+          <a:lstStyle/>
+          <a:p>
+            <a:endParaRPr lang="nl-NL" dirty="0"/>
+          </a:p>
+        </p:txBody>
+      </p:sp>
       <p:pic>
         <p:nvPicPr>
-          <p:cNvPr id="5" name="Content Placeholder 4">
+          <p:cNvPr id="7" name="Afbeelding 6">
             <a:extLst>
               <a:ext uri="{FF2B5EF4-FFF2-40B4-BE49-F238E27FC236}">
-                <a16:creationId xmlns:a16="http://schemas.microsoft.com/office/drawing/2014/main" id="{F8AE2463-F0F5-48EF-8A70-8490B0171F9C}"/>
+                <a16:creationId xmlns:a16="http://schemas.microsoft.com/office/drawing/2014/main" id="{DE38B5AE-8022-4FA6-A52A-265521D08C57}"/>
               </a:ext>
             </a:extLst>
           </p:cNvPr>
           <p:cNvPicPr>
-            <a:picLocks noGrp="1" noChangeAspect="1"/>
+            <a:picLocks noChangeAspect="1"/>
           </p:cNvPicPr>
-          <p:nvPr>
-            <p:ph idx="1"/>
-          </p:nvPr>
+          <p:nvPr/>
         </p:nvPicPr>
         <p:blipFill>
-          <a:blip r:embed="rId2">
-            <a:extLst>
-              <a:ext uri="{28A0092B-C50C-407E-A947-70E740481C1C}">
-                <a14:useLocalDpi xmlns:a14="http://schemas.microsoft.com/office/drawing/2010/main" val="0"/>
-              </a:ext>
-            </a:extLst>
-          </a:blip>
+          <a:blip r:embed="rId2"/>
           <a:stretch>
             <a:fillRect/>
           </a:stretch>
         </p:blipFill>
         <p:spPr>
           <a:xfrm>
-            <a:off x="1417655" y="2368871"/>
-            <a:ext cx="8761413" cy="4190576"/>
+            <a:off x="2018119" y="2270384"/>
+            <a:ext cx="8155762" cy="4587616"/>
           </a:xfrm>
+          <a:prstGeom prst="rect">
+            <a:avLst/>
+          </a:prstGeom>
         </p:spPr>
       </p:pic>
     </p:spTree>
@@ -14023,7 +13931,7 @@
 </p:sld>
 </file>
 
-<file path=ppt/slides/slide5.xml><?xml version="1.0" encoding="utf-8"?>
+<file path=ppt/slides/slide4.xml><?xml version="1.0" encoding="utf-8"?>
 <p:sld xmlns:a="http://schemas.openxmlformats.org/drawingml/2006/main" xmlns:r="http://schemas.openxmlformats.org/officeDocument/2006/relationships" xmlns:p="http://schemas.openxmlformats.org/presentationml/2006/main">
   <p:cSld>
     <p:spTree>
@@ -14063,7 +13971,7 @@
           <a:p>
             <a:r>
               <a:rPr lang="en-US" dirty="0" err="1"/>
-              <a:t>Openemen</a:t>
+              <a:t>Opnemen</a:t>
             </a:r>
             <a:r>
               <a:rPr lang="en-US" dirty="0"/>
@@ -14093,12 +14001,347 @@
           </a:p>
         </p:txBody>
       </p:sp>
+      <p:sp>
+        <p:nvSpPr>
+          <p:cNvPr id="6" name="Tijdelijke aanduiding voor inhoud 5">
+            <a:extLst>
+              <a:ext uri="{FF2B5EF4-FFF2-40B4-BE49-F238E27FC236}">
+                <a16:creationId xmlns:a16="http://schemas.microsoft.com/office/drawing/2014/main" id="{860680F6-F464-4F40-B2BD-EB632C82452A}"/>
+              </a:ext>
+            </a:extLst>
+          </p:cNvPr>
+          <p:cNvSpPr>
+            <a:spLocks noGrp="1"/>
+          </p:cNvSpPr>
+          <p:nvPr>
+            <p:ph idx="1"/>
+          </p:nvPr>
+        </p:nvSpPr>
+        <p:spPr/>
+        <p:txBody>
+          <a:bodyPr/>
+          <a:lstStyle/>
+          <a:p>
+            <a:endParaRPr lang="nl-NL"/>
+          </a:p>
+        </p:txBody>
+      </p:sp>
       <p:pic>
         <p:nvPicPr>
-          <p:cNvPr id="5" name="Content Placeholder 4">
+          <p:cNvPr id="8" name="Afbeelding 7">
             <a:extLst>
               <a:ext uri="{FF2B5EF4-FFF2-40B4-BE49-F238E27FC236}">
-                <a16:creationId xmlns:a16="http://schemas.microsoft.com/office/drawing/2014/main" id="{F729B2E3-E38B-4E88-B47E-8D5B49BFD947}"/>
+                <a16:creationId xmlns:a16="http://schemas.microsoft.com/office/drawing/2014/main" id="{13BEC8CA-B243-4570-BFB3-92BBA7A4C1DA}"/>
+              </a:ext>
+            </a:extLst>
+          </p:cNvPr>
+          <p:cNvPicPr>
+            <a:picLocks noChangeAspect="1"/>
+          </p:cNvPicPr>
+          <p:nvPr/>
+        </p:nvPicPr>
+        <p:blipFill>
+          <a:blip r:embed="rId2"/>
+          <a:stretch>
+            <a:fillRect/>
+          </a:stretch>
+        </p:blipFill>
+        <p:spPr>
+          <a:xfrm>
+            <a:off x="2037944" y="2292688"/>
+            <a:ext cx="8116111" cy="4565312"/>
+          </a:xfrm>
+          <a:prstGeom prst="rect">
+            <a:avLst/>
+          </a:prstGeom>
+        </p:spPr>
+      </p:pic>
+    </p:spTree>
+    <p:extLst>
+      <p:ext uri="{BB962C8B-B14F-4D97-AF65-F5344CB8AC3E}">
+        <p14:creationId xmlns:p14="http://schemas.microsoft.com/office/powerpoint/2010/main" val="3749715547"/>
+      </p:ext>
+    </p:extLst>
+  </p:cSld>
+  <p:clrMapOvr>
+    <a:masterClrMapping/>
+  </p:clrMapOvr>
+</p:sld>
+</file>
+
+<file path=ppt/slides/slide5.xml><?xml version="1.0" encoding="utf-8"?>
+<p:sld xmlns:a="http://schemas.openxmlformats.org/drawingml/2006/main" xmlns:r="http://schemas.openxmlformats.org/officeDocument/2006/relationships" xmlns:p="http://schemas.openxmlformats.org/presentationml/2006/main">
+  <p:cSld>
+    <p:spTree>
+      <p:nvGrpSpPr>
+        <p:cNvPr id="1" name=""/>
+        <p:cNvGrpSpPr/>
+        <p:nvPr/>
+      </p:nvGrpSpPr>
+      <p:grpSpPr>
+        <a:xfrm>
+          <a:off x="0" y="0"/>
+          <a:ext cx="0" cy="0"/>
+          <a:chOff x="0" y="0"/>
+          <a:chExt cx="0" cy="0"/>
+        </a:xfrm>
+      </p:grpSpPr>
+      <p:sp>
+        <p:nvSpPr>
+          <p:cNvPr id="2" name="Titel 1">
+            <a:extLst>
+              <a:ext uri="{FF2B5EF4-FFF2-40B4-BE49-F238E27FC236}">
+                <a16:creationId xmlns:a16="http://schemas.microsoft.com/office/drawing/2014/main" id="{7DBAFE8F-A482-4578-BA64-21A0ADC091E5}"/>
+              </a:ext>
+            </a:extLst>
+          </p:cNvPr>
+          <p:cNvSpPr>
+            <a:spLocks noGrp="1"/>
+          </p:cNvSpPr>
+          <p:nvPr>
+            <p:ph type="title"/>
+          </p:nvPr>
+        </p:nvSpPr>
+        <p:spPr>
+          <a:xfrm>
+            <a:off x="1154953" y="973668"/>
+            <a:ext cx="9384213" cy="706964"/>
+          </a:xfrm>
+        </p:spPr>
+        <p:txBody>
+          <a:bodyPr/>
+          <a:lstStyle/>
+          <a:p>
+            <a:r>
+              <a:rPr lang="nl-NL" dirty="0"/>
+              <a:t>Taal veranderen pagina – Eerste iteratie</a:t>
+            </a:r>
+          </a:p>
+        </p:txBody>
+      </p:sp>
+      <p:sp>
+        <p:nvSpPr>
+          <p:cNvPr id="3" name="Tijdelijke aanduiding voor inhoud 2">
+            <a:extLst>
+              <a:ext uri="{FF2B5EF4-FFF2-40B4-BE49-F238E27FC236}">
+                <a16:creationId xmlns:a16="http://schemas.microsoft.com/office/drawing/2014/main" id="{9E808E59-6CCF-4E1C-AA21-AF3FD566BCF5}"/>
+              </a:ext>
+            </a:extLst>
+          </p:cNvPr>
+          <p:cNvSpPr>
+            <a:spLocks noGrp="1"/>
+          </p:cNvSpPr>
+          <p:nvPr>
+            <p:ph idx="1"/>
+          </p:nvPr>
+        </p:nvSpPr>
+        <p:spPr/>
+        <p:txBody>
+          <a:bodyPr/>
+          <a:lstStyle/>
+          <a:p>
+            <a:endParaRPr lang="nl-NL" dirty="0"/>
+          </a:p>
+        </p:txBody>
+      </p:sp>
+      <p:pic>
+        <p:nvPicPr>
+          <p:cNvPr id="5" name="Afbeelding 4">
+            <a:extLst>
+              <a:ext uri="{FF2B5EF4-FFF2-40B4-BE49-F238E27FC236}">
+                <a16:creationId xmlns:a16="http://schemas.microsoft.com/office/drawing/2014/main" id="{58472C7C-7386-4EA2-AFF1-51B56B9E585F}"/>
+              </a:ext>
+            </a:extLst>
+          </p:cNvPr>
+          <p:cNvPicPr>
+            <a:picLocks noChangeAspect="1"/>
+          </p:cNvPicPr>
+          <p:nvPr/>
+        </p:nvPicPr>
+        <p:blipFill>
+          <a:blip r:embed="rId2"/>
+          <a:stretch>
+            <a:fillRect/>
+          </a:stretch>
+        </p:blipFill>
+        <p:spPr>
+          <a:xfrm>
+            <a:off x="2052536" y="2309103"/>
+            <a:ext cx="8086928" cy="4548897"/>
+          </a:xfrm>
+          <a:prstGeom prst="rect">
+            <a:avLst/>
+          </a:prstGeom>
+        </p:spPr>
+      </p:pic>
+    </p:spTree>
+    <p:extLst>
+      <p:ext uri="{BB962C8B-B14F-4D97-AF65-F5344CB8AC3E}">
+        <p14:creationId xmlns:p14="http://schemas.microsoft.com/office/powerpoint/2010/main" val="964153162"/>
+      </p:ext>
+    </p:extLst>
+  </p:cSld>
+  <p:clrMapOvr>
+    <a:masterClrMapping/>
+  </p:clrMapOvr>
+</p:sld>
+</file>
+
+<file path=ppt/slides/slide6.xml><?xml version="1.0" encoding="utf-8"?>
+<p:sld xmlns:a="http://schemas.openxmlformats.org/drawingml/2006/main" xmlns:r="http://schemas.openxmlformats.org/officeDocument/2006/relationships" xmlns:p="http://schemas.openxmlformats.org/presentationml/2006/main">
+  <p:cSld>
+    <p:spTree>
+      <p:nvGrpSpPr>
+        <p:cNvPr id="1" name=""/>
+        <p:cNvGrpSpPr/>
+        <p:nvPr/>
+      </p:nvGrpSpPr>
+      <p:grpSpPr>
+        <a:xfrm>
+          <a:off x="0" y="0"/>
+          <a:ext cx="0" cy="0"/>
+          <a:chOff x="0" y="0"/>
+          <a:chExt cx="0" cy="0"/>
+        </a:xfrm>
+      </p:grpSpPr>
+      <p:sp>
+        <p:nvSpPr>
+          <p:cNvPr id="2" name="Titel 1">
+            <a:extLst>
+              <a:ext uri="{FF2B5EF4-FFF2-40B4-BE49-F238E27FC236}">
+                <a16:creationId xmlns:a16="http://schemas.microsoft.com/office/drawing/2014/main" id="{DFE298AC-939E-4659-8AE2-BE8BFA2401CA}"/>
+              </a:ext>
+            </a:extLst>
+          </p:cNvPr>
+          <p:cNvSpPr>
+            <a:spLocks noGrp="1"/>
+          </p:cNvSpPr>
+          <p:nvPr>
+            <p:ph type="title"/>
+          </p:nvPr>
+        </p:nvSpPr>
+        <p:spPr/>
+        <p:txBody>
+          <a:bodyPr/>
+          <a:lstStyle/>
+          <a:p>
+            <a:r>
+              <a:rPr lang="nl-NL" dirty="0"/>
+              <a:t>RFID</a:t>
+            </a:r>
+          </a:p>
+        </p:txBody>
+      </p:sp>
+      <p:pic>
+        <p:nvPicPr>
+          <p:cNvPr id="5" name="Tijdelijke aanduiding voor inhoud 4">
+            <a:extLst>
+              <a:ext uri="{FF2B5EF4-FFF2-40B4-BE49-F238E27FC236}">
+                <a16:creationId xmlns:a16="http://schemas.microsoft.com/office/drawing/2014/main" id="{F6955765-39D0-418E-8B66-209881FCFFDA}"/>
+              </a:ext>
+            </a:extLst>
+          </p:cNvPr>
+          <p:cNvPicPr>
+            <a:picLocks noGrp="1" noChangeAspect="1"/>
+          </p:cNvPicPr>
+          <p:nvPr>
+            <p:ph idx="1"/>
+          </p:nvPr>
+        </p:nvPicPr>
+        <p:blipFill>
+          <a:blip r:embed="rId2">
+            <a:clrChange>
+              <a:clrFrom>
+                <a:srgbClr val="FFFFFF"/>
+              </a:clrFrom>
+              <a:clrTo>
+                <a:srgbClr val="FFFFFF">
+                  <a:alpha val="0"/>
+                </a:srgbClr>
+              </a:clrTo>
+            </a:clrChange>
+            <a:extLst>
+              <a:ext uri="{28A0092B-C50C-407E-A947-70E740481C1C}">
+                <a14:useLocalDpi xmlns:a14="http://schemas.microsoft.com/office/drawing/2010/main" val="0"/>
+              </a:ext>
+            </a:extLst>
+          </a:blip>
+          <a:stretch>
+            <a:fillRect/>
+          </a:stretch>
+        </p:blipFill>
+        <p:spPr>
+          <a:xfrm rot="5400000">
+            <a:off x="4449944" y="418512"/>
+            <a:ext cx="3292110" cy="7639531"/>
+          </a:xfrm>
+        </p:spPr>
+      </p:pic>
+    </p:spTree>
+    <p:extLst>
+      <p:ext uri="{BB962C8B-B14F-4D97-AF65-F5344CB8AC3E}">
+        <p14:creationId xmlns:p14="http://schemas.microsoft.com/office/powerpoint/2010/main" val="2675779775"/>
+      </p:ext>
+    </p:extLst>
+  </p:cSld>
+  <p:clrMapOvr>
+    <a:masterClrMapping/>
+  </p:clrMapOvr>
+</p:sld>
+</file>
+
+<file path=ppt/slides/slide7.xml><?xml version="1.0" encoding="utf-8"?>
+<p:sld xmlns:a="http://schemas.openxmlformats.org/drawingml/2006/main" xmlns:r="http://schemas.openxmlformats.org/officeDocument/2006/relationships" xmlns:p="http://schemas.openxmlformats.org/presentationml/2006/main">
+  <p:cSld>
+    <p:spTree>
+      <p:nvGrpSpPr>
+        <p:cNvPr id="1" name=""/>
+        <p:cNvGrpSpPr/>
+        <p:nvPr/>
+      </p:nvGrpSpPr>
+      <p:grpSpPr>
+        <a:xfrm>
+          <a:off x="0" y="0"/>
+          <a:ext cx="0" cy="0"/>
+          <a:chOff x="0" y="0"/>
+          <a:chExt cx="0" cy="0"/>
+        </a:xfrm>
+      </p:grpSpPr>
+      <p:sp>
+        <p:nvSpPr>
+          <p:cNvPr id="2" name="Titel 1">
+            <a:extLst>
+              <a:ext uri="{FF2B5EF4-FFF2-40B4-BE49-F238E27FC236}">
+                <a16:creationId xmlns:a16="http://schemas.microsoft.com/office/drawing/2014/main" id="{C9D5AE40-3FED-4BC1-AE63-141D8506818C}"/>
+              </a:ext>
+            </a:extLst>
+          </p:cNvPr>
+          <p:cNvSpPr>
+            <a:spLocks noGrp="1"/>
+          </p:cNvSpPr>
+          <p:nvPr>
+            <p:ph type="title"/>
+          </p:nvPr>
+        </p:nvSpPr>
+        <p:spPr/>
+        <p:txBody>
+          <a:bodyPr/>
+          <a:lstStyle/>
+          <a:p>
+            <a:r>
+              <a:rPr lang="nl-NL" dirty="0" err="1"/>
+              <a:t>Keypad</a:t>
+            </a:r>
+            <a:endParaRPr lang="nl-NL" dirty="0"/>
+          </a:p>
+        </p:txBody>
+      </p:sp>
+      <p:pic>
+        <p:nvPicPr>
+          <p:cNvPr id="6" name="Tijdelijke aanduiding voor inhoud 5" descr="Afbeelding met tekst, schermafbeelding, elektronica&#10;&#10;Automatisch gegenereerde beschrijving">
+            <a:extLst>
+              <a:ext uri="{FF2B5EF4-FFF2-40B4-BE49-F238E27FC236}">
+                <a16:creationId xmlns:a16="http://schemas.microsoft.com/office/drawing/2014/main" id="{CE69C0A9-F233-4E39-8B4A-B48869CEAB6A}"/>
               </a:ext>
             </a:extLst>
           </p:cNvPr>
@@ -14123,15 +14366,15 @@
         </p:blipFill>
         <p:spPr>
           <a:xfrm>
-            <a:off x="899409" y="2438607"/>
-            <a:ext cx="9615851" cy="4067123"/>
+            <a:off x="2148942" y="2897121"/>
+            <a:ext cx="7894116" cy="3202121"/>
           </a:xfrm>
         </p:spPr>
       </p:pic>
     </p:spTree>
     <p:extLst>
       <p:ext uri="{BB962C8B-B14F-4D97-AF65-F5344CB8AC3E}">
-        <p14:creationId xmlns:p14="http://schemas.microsoft.com/office/powerpoint/2010/main" val="3749715547"/>
+        <p14:creationId xmlns:p14="http://schemas.microsoft.com/office/powerpoint/2010/main" val="4213238051"/>
       </p:ext>
     </p:extLst>
   </p:cSld>
@@ -14141,7 +14384,7 @@
 </p:sld>
 </file>
 
-<file path=ppt/slides/slide6.xml><?xml version="1.0" encoding="utf-8"?>
+<file path=ppt/slides/slide8.xml><?xml version="1.0" encoding="utf-8"?>
 <p:sld xmlns:a="http://schemas.openxmlformats.org/drawingml/2006/main" xmlns:r="http://schemas.openxmlformats.org/officeDocument/2006/relationships" xmlns:p="http://schemas.openxmlformats.org/presentationml/2006/main">
   <p:cSld>
     <p:spTree>
@@ -14211,10 +14454,1635 @@
           <a:bodyPr/>
           <a:lstStyle/>
           <a:p>
-            <a:endParaRPr lang="en-US"/>
+            <a:endParaRPr lang="en-US" dirty="0"/>
           </a:p>
         </p:txBody>
       </p:sp>
+      <p:graphicFrame>
+        <p:nvGraphicFramePr>
+          <p:cNvPr id="5" name="Tijdelijke aanduiding voor inhoud 3">
+            <a:extLst>
+              <a:ext uri="{FF2B5EF4-FFF2-40B4-BE49-F238E27FC236}">
+                <a16:creationId xmlns:a16="http://schemas.microsoft.com/office/drawing/2014/main" id="{FCC6BE9C-FD57-4E5C-92D6-22AEBC794C7B}"/>
+              </a:ext>
+            </a:extLst>
+          </p:cNvPr>
+          <p:cNvGraphicFramePr>
+            <a:graphicFrameLocks/>
+          </p:cNvGraphicFramePr>
+          <p:nvPr>
+            <p:extLst>
+              <p:ext uri="{D42A27DB-BD31-4B8C-83A1-F6EECF244321}">
+                <p14:modId xmlns:p14="http://schemas.microsoft.com/office/powerpoint/2010/main" val="3326561429"/>
+              </p:ext>
+            </p:extLst>
+          </p:nvPr>
+        </p:nvGraphicFramePr>
+        <p:xfrm>
+          <a:off x="1154954" y="2876987"/>
+          <a:ext cx="9625387" cy="2869326"/>
+        </p:xfrm>
+        <a:graphic>
+          <a:graphicData uri="http://schemas.openxmlformats.org/drawingml/2006/table">
+            <a:tbl>
+              <a:tblPr firstRow="1" firstCol="1" bandRow="1">
+                <a:tableStyleId>{5C22544A-7EE6-4342-B048-85BDC9FD1C3A}</a:tableStyleId>
+              </a:tblPr>
+              <a:tblGrid>
+                <a:gridCol w="572950">
+                  <a:extLst>
+                    <a:ext uri="{9D8B030D-6E8A-4147-A177-3AD203B41FA5}">
+                      <a16:colId xmlns:a16="http://schemas.microsoft.com/office/drawing/2014/main" val="2274104689"/>
+                    </a:ext>
+                  </a:extLst>
+                </a:gridCol>
+                <a:gridCol w="1102824">
+                  <a:extLst>
+                    <a:ext uri="{9D8B030D-6E8A-4147-A177-3AD203B41FA5}">
+                      <a16:colId xmlns:a16="http://schemas.microsoft.com/office/drawing/2014/main" val="2741589091"/>
+                    </a:ext>
+                  </a:extLst>
+                </a:gridCol>
+                <a:gridCol w="840647">
+                  <a:extLst>
+                    <a:ext uri="{9D8B030D-6E8A-4147-A177-3AD203B41FA5}">
+                      <a16:colId xmlns:a16="http://schemas.microsoft.com/office/drawing/2014/main" val="3920543657"/>
+                    </a:ext>
+                  </a:extLst>
+                </a:gridCol>
+                <a:gridCol w="1894876">
+                  <a:extLst>
+                    <a:ext uri="{9D8B030D-6E8A-4147-A177-3AD203B41FA5}">
+                      <a16:colId xmlns:a16="http://schemas.microsoft.com/office/drawing/2014/main" val="2000952455"/>
+                    </a:ext>
+                  </a:extLst>
+                </a:gridCol>
+                <a:gridCol w="2107378">
+                  <a:extLst>
+                    <a:ext uri="{9D8B030D-6E8A-4147-A177-3AD203B41FA5}">
+                      <a16:colId xmlns:a16="http://schemas.microsoft.com/office/drawing/2014/main" val="1249616473"/>
+                    </a:ext>
+                  </a:extLst>
+                </a:gridCol>
+                <a:gridCol w="782692">
+                  <a:extLst>
+                    <a:ext uri="{9D8B030D-6E8A-4147-A177-3AD203B41FA5}">
+                      <a16:colId xmlns:a16="http://schemas.microsoft.com/office/drawing/2014/main" val="4089290019"/>
+                    </a:ext>
+                  </a:extLst>
+                </a:gridCol>
+                <a:gridCol w="2324020">
+                  <a:extLst>
+                    <a:ext uri="{9D8B030D-6E8A-4147-A177-3AD203B41FA5}">
+                      <a16:colId xmlns:a16="http://schemas.microsoft.com/office/drawing/2014/main" val="4009435677"/>
+                    </a:ext>
+                  </a:extLst>
+                </a:gridCol>
+              </a:tblGrid>
+              <a:tr h="296730">
+                <a:tc>
+                  <a:txBody>
+                    <a:bodyPr/>
+                    <a:lstStyle/>
+                    <a:p>
+                      <a:r>
+                        <a:rPr lang="nl-NL" sz="900" dirty="0">
+                          <a:effectLst/>
+                        </a:rPr>
+                        <a:t>Features</a:t>
+                      </a:r>
+                      <a:endParaRPr lang="nl-NL" sz="900" dirty="0">
+                        <a:effectLst/>
+                        <a:latin typeface="Calibri" panose="020F0502020204030204" pitchFamily="34" charset="0"/>
+                        <a:ea typeface="Calibri" panose="020F0502020204030204" pitchFamily="34" charset="0"/>
+                        <a:cs typeface="Arial" panose="020B0604020202020204" pitchFamily="34" charset="0"/>
+                      </a:endParaRPr>
+                    </a:p>
+                  </a:txBody>
+                  <a:tcPr marL="27609" marR="27609" marT="0" marB="0"/>
+                </a:tc>
+                <a:tc>
+                  <a:txBody>
+                    <a:bodyPr/>
+                    <a:lstStyle/>
+                    <a:p>
+                      <a:r>
+                        <a:rPr lang="nl-NL" sz="900" dirty="0">
+                          <a:effectLst/>
+                        </a:rPr>
+                        <a:t>Wat</a:t>
+                      </a:r>
+                      <a:endParaRPr lang="nl-NL" sz="900" dirty="0">
+                        <a:effectLst/>
+                        <a:latin typeface="Calibri" panose="020F0502020204030204" pitchFamily="34" charset="0"/>
+                        <a:ea typeface="Calibri" panose="020F0502020204030204" pitchFamily="34" charset="0"/>
+                        <a:cs typeface="Arial" panose="020B0604020202020204" pitchFamily="34" charset="0"/>
+                      </a:endParaRPr>
+                    </a:p>
+                  </a:txBody>
+                  <a:tcPr marL="27609" marR="27609" marT="0" marB="0"/>
+                </a:tc>
+                <a:tc>
+                  <a:txBody>
+                    <a:bodyPr/>
+                    <a:lstStyle/>
+                    <a:p>
+                      <a:r>
+                        <a:rPr lang="nl-NL" sz="900">
+                          <a:effectLst/>
+                        </a:rPr>
+                        <a:t>Wie</a:t>
+                      </a:r>
+                      <a:endParaRPr lang="nl-NL" sz="900">
+                        <a:effectLst/>
+                        <a:latin typeface="Calibri" panose="020F0502020204030204" pitchFamily="34" charset="0"/>
+                        <a:ea typeface="Calibri" panose="020F0502020204030204" pitchFamily="34" charset="0"/>
+                        <a:cs typeface="Arial" panose="020B0604020202020204" pitchFamily="34" charset="0"/>
+                      </a:endParaRPr>
+                    </a:p>
+                  </a:txBody>
+                  <a:tcPr marL="27609" marR="27609" marT="0" marB="0"/>
+                </a:tc>
+                <a:tc>
+                  <a:txBody>
+                    <a:bodyPr/>
+                    <a:lstStyle/>
+                    <a:p>
+                      <a:r>
+                        <a:rPr lang="nl-NL" sz="900">
+                          <a:effectLst/>
+                        </a:rPr>
+                        <a:t>Waarom</a:t>
+                      </a:r>
+                      <a:endParaRPr lang="nl-NL" sz="900">
+                        <a:effectLst/>
+                        <a:latin typeface="Calibri" panose="020F0502020204030204" pitchFamily="34" charset="0"/>
+                        <a:ea typeface="Calibri" panose="020F0502020204030204" pitchFamily="34" charset="0"/>
+                        <a:cs typeface="Arial" panose="020B0604020202020204" pitchFamily="34" charset="0"/>
+                      </a:endParaRPr>
+                    </a:p>
+                  </a:txBody>
+                  <a:tcPr marL="27609" marR="27609" marT="0" marB="0"/>
+                </a:tc>
+                <a:tc>
+                  <a:txBody>
+                    <a:bodyPr/>
+                    <a:lstStyle/>
+                    <a:p>
+                      <a:r>
+                        <a:rPr lang="nl-NL" sz="900">
+                          <a:effectLst/>
+                        </a:rPr>
+                        <a:t>Taken</a:t>
+                      </a:r>
+                      <a:endParaRPr lang="nl-NL" sz="900">
+                        <a:effectLst/>
+                        <a:latin typeface="Calibri" panose="020F0502020204030204" pitchFamily="34" charset="0"/>
+                        <a:ea typeface="Calibri" panose="020F0502020204030204" pitchFamily="34" charset="0"/>
+                        <a:cs typeface="Arial" panose="020B0604020202020204" pitchFamily="34" charset="0"/>
+                      </a:endParaRPr>
+                    </a:p>
+                  </a:txBody>
+                  <a:tcPr marL="27609" marR="27609" marT="0" marB="0"/>
+                </a:tc>
+                <a:tc>
+                  <a:txBody>
+                    <a:bodyPr/>
+                    <a:lstStyle/>
+                    <a:p>
+                      <a:r>
+                        <a:rPr lang="nl-NL" sz="900">
+                          <a:effectLst/>
+                        </a:rPr>
+                        <a:t>Moeilijkheids-graad</a:t>
+                      </a:r>
+                      <a:endParaRPr lang="nl-NL" sz="900">
+                        <a:effectLst/>
+                        <a:latin typeface="Calibri" panose="020F0502020204030204" pitchFamily="34" charset="0"/>
+                        <a:ea typeface="Calibri" panose="020F0502020204030204" pitchFamily="34" charset="0"/>
+                        <a:cs typeface="Arial" panose="020B0604020202020204" pitchFamily="34" charset="0"/>
+                      </a:endParaRPr>
+                    </a:p>
+                  </a:txBody>
+                  <a:tcPr marL="27609" marR="27609" marT="0" marB="0"/>
+                </a:tc>
+                <a:tc>
+                  <a:txBody>
+                    <a:bodyPr/>
+                    <a:lstStyle/>
+                    <a:p>
+                      <a:r>
+                        <a:rPr lang="nl-NL" sz="900">
+                          <a:effectLst/>
+                        </a:rPr>
+                        <a:t>Acceptance criteria</a:t>
+                      </a:r>
+                      <a:endParaRPr lang="nl-NL" sz="900">
+                        <a:effectLst/>
+                        <a:latin typeface="Calibri" panose="020F0502020204030204" pitchFamily="34" charset="0"/>
+                        <a:ea typeface="Calibri" panose="020F0502020204030204" pitchFamily="34" charset="0"/>
+                        <a:cs typeface="Arial" panose="020B0604020202020204" pitchFamily="34" charset="0"/>
+                      </a:endParaRPr>
+                    </a:p>
+                  </a:txBody>
+                  <a:tcPr marL="27609" marR="27609" marT="0" marB="0"/>
+                </a:tc>
+                <a:extLst>
+                  <a:ext uri="{0D108BD9-81ED-4DB2-BD59-A6C34878D82A}">
+                    <a16:rowId xmlns:a16="http://schemas.microsoft.com/office/drawing/2014/main" val="1893524134"/>
+                  </a:ext>
+                </a:extLst>
+              </a:tr>
+              <a:tr h="296730">
+                <a:tc>
+                  <a:txBody>
+                    <a:bodyPr/>
+                    <a:lstStyle/>
+                    <a:p>
+                      <a:r>
+                        <a:rPr lang="nl-NL" sz="900" dirty="0">
+                          <a:effectLst/>
+                        </a:rPr>
+                        <a:t>1</a:t>
+                      </a:r>
+                      <a:endParaRPr lang="nl-NL" sz="900" dirty="0">
+                        <a:effectLst/>
+                        <a:latin typeface="Calibri" panose="020F0502020204030204" pitchFamily="34" charset="0"/>
+                        <a:ea typeface="Calibri" panose="020F0502020204030204" pitchFamily="34" charset="0"/>
+                        <a:cs typeface="Arial" panose="020B0604020202020204" pitchFamily="34" charset="0"/>
+                      </a:endParaRPr>
+                    </a:p>
+                  </a:txBody>
+                  <a:tcPr marL="27609" marR="27609" marT="0" marB="0"/>
+                </a:tc>
+                <a:tc>
+                  <a:txBody>
+                    <a:bodyPr/>
+                    <a:lstStyle/>
+                    <a:p>
+                      <a:r>
+                        <a:rPr lang="nl-NL" sz="900" dirty="0">
+                          <a:effectLst/>
+                        </a:rPr>
+                        <a:t>Je pas kunnen scannen.</a:t>
+                      </a:r>
+                      <a:endParaRPr lang="nl-NL" sz="900" dirty="0">
+                        <a:effectLst/>
+                        <a:latin typeface="Calibri" panose="020F0502020204030204" pitchFamily="34" charset="0"/>
+                        <a:ea typeface="Calibri" panose="020F0502020204030204" pitchFamily="34" charset="0"/>
+                        <a:cs typeface="Arial" panose="020B0604020202020204" pitchFamily="34" charset="0"/>
+                      </a:endParaRPr>
+                    </a:p>
+                  </a:txBody>
+                  <a:tcPr marL="27609" marR="27609" marT="0" marB="0"/>
+                </a:tc>
+                <a:tc>
+                  <a:txBody>
+                    <a:bodyPr/>
+                    <a:lstStyle/>
+                    <a:p>
+                      <a:r>
+                        <a:rPr lang="nl-NL" sz="900" dirty="0">
+                          <a:effectLst/>
+                        </a:rPr>
+                        <a:t>De opdrachtgever</a:t>
+                      </a:r>
+                      <a:endParaRPr lang="nl-NL" sz="900" dirty="0">
+                        <a:effectLst/>
+                        <a:latin typeface="Calibri" panose="020F0502020204030204" pitchFamily="34" charset="0"/>
+                        <a:ea typeface="Calibri" panose="020F0502020204030204" pitchFamily="34" charset="0"/>
+                        <a:cs typeface="Arial" panose="020B0604020202020204" pitchFamily="34" charset="0"/>
+                      </a:endParaRPr>
+                    </a:p>
+                  </a:txBody>
+                  <a:tcPr marL="27609" marR="27609" marT="0" marB="0"/>
+                </a:tc>
+                <a:tc>
+                  <a:txBody>
+                    <a:bodyPr/>
+                    <a:lstStyle/>
+                    <a:p>
+                      <a:r>
+                        <a:rPr lang="nl-NL" sz="900">
+                          <a:effectLst/>
+                        </a:rPr>
+                        <a:t>Zodat het systeem jouw identiteit en saldo kan checken.</a:t>
+                      </a:r>
+                      <a:endParaRPr lang="nl-NL" sz="900">
+                        <a:effectLst/>
+                        <a:latin typeface="Calibri" panose="020F0502020204030204" pitchFamily="34" charset="0"/>
+                        <a:ea typeface="Calibri" panose="020F0502020204030204" pitchFamily="34" charset="0"/>
+                        <a:cs typeface="Arial" panose="020B0604020202020204" pitchFamily="34" charset="0"/>
+                      </a:endParaRPr>
+                    </a:p>
+                  </a:txBody>
+                  <a:tcPr marL="27609" marR="27609" marT="0" marB="0"/>
+                </a:tc>
+                <a:tc>
+                  <a:txBody>
+                    <a:bodyPr/>
+                    <a:lstStyle/>
+                    <a:p>
+                      <a:r>
+                        <a:rPr lang="nl-NL" sz="900">
+                          <a:effectLst/>
+                        </a:rPr>
+                        <a:t>Fritzing maken van de RFID</a:t>
+                      </a:r>
+                      <a:endParaRPr lang="nl-NL" sz="900">
+                        <a:effectLst/>
+                        <a:latin typeface="Calibri" panose="020F0502020204030204" pitchFamily="34" charset="0"/>
+                        <a:ea typeface="Calibri" panose="020F0502020204030204" pitchFamily="34" charset="0"/>
+                        <a:cs typeface="Arial" panose="020B0604020202020204" pitchFamily="34" charset="0"/>
+                      </a:endParaRPr>
+                    </a:p>
+                  </a:txBody>
+                  <a:tcPr marL="27609" marR="27609" marT="0" marB="0"/>
+                </a:tc>
+                <a:tc>
+                  <a:txBody>
+                    <a:bodyPr/>
+                    <a:lstStyle/>
+                    <a:p>
+                      <a:r>
+                        <a:rPr lang="nl-NL" sz="900">
+                          <a:effectLst/>
+                        </a:rPr>
+                        <a:t>4</a:t>
+                      </a:r>
+                      <a:endParaRPr lang="nl-NL" sz="900">
+                        <a:effectLst/>
+                        <a:latin typeface="Calibri" panose="020F0502020204030204" pitchFamily="34" charset="0"/>
+                        <a:ea typeface="Calibri" panose="020F0502020204030204" pitchFamily="34" charset="0"/>
+                        <a:cs typeface="Arial" panose="020B0604020202020204" pitchFamily="34" charset="0"/>
+                      </a:endParaRPr>
+                    </a:p>
+                  </a:txBody>
+                  <a:tcPr marL="27609" marR="27609" marT="0" marB="0"/>
+                </a:tc>
+                <a:tc>
+                  <a:txBody>
+                    <a:bodyPr/>
+                    <a:lstStyle/>
+                    <a:p>
+                      <a:r>
+                        <a:rPr lang="nl-NL" sz="900">
+                          <a:effectLst/>
+                        </a:rPr>
+                        <a:t>Een signaal terug kunnen krijgen van het pasje.</a:t>
+                      </a:r>
+                      <a:endParaRPr lang="nl-NL" sz="900">
+                        <a:effectLst/>
+                        <a:latin typeface="Calibri" panose="020F0502020204030204" pitchFamily="34" charset="0"/>
+                        <a:ea typeface="Calibri" panose="020F0502020204030204" pitchFamily="34" charset="0"/>
+                        <a:cs typeface="Arial" panose="020B0604020202020204" pitchFamily="34" charset="0"/>
+                      </a:endParaRPr>
+                    </a:p>
+                  </a:txBody>
+                  <a:tcPr marL="27609" marR="27609" marT="0" marB="0"/>
+                </a:tc>
+                <a:extLst>
+                  <a:ext uri="{0D108BD9-81ED-4DB2-BD59-A6C34878D82A}">
+                    <a16:rowId xmlns:a16="http://schemas.microsoft.com/office/drawing/2014/main" val="1439288161"/>
+                  </a:ext>
+                </a:extLst>
+              </a:tr>
+              <a:tr h="164262">
+                <a:tc>
+                  <a:txBody>
+                    <a:bodyPr/>
+                    <a:lstStyle/>
+                    <a:p>
+                      <a:r>
+                        <a:rPr lang="nl-NL" sz="900">
+                          <a:effectLst/>
+                        </a:rPr>
+                        <a:t> </a:t>
+                      </a:r>
+                      <a:endParaRPr lang="nl-NL" sz="900">
+                        <a:effectLst/>
+                        <a:latin typeface="Calibri" panose="020F0502020204030204" pitchFamily="34" charset="0"/>
+                        <a:ea typeface="Calibri" panose="020F0502020204030204" pitchFamily="34" charset="0"/>
+                        <a:cs typeface="Arial" panose="020B0604020202020204" pitchFamily="34" charset="0"/>
+                      </a:endParaRPr>
+                    </a:p>
+                  </a:txBody>
+                  <a:tcPr marL="27609" marR="27609" marT="0" marB="0"/>
+                </a:tc>
+                <a:tc>
+                  <a:txBody>
+                    <a:bodyPr/>
+                    <a:lstStyle/>
+                    <a:p>
+                      <a:r>
+                        <a:rPr lang="nl-NL" sz="900" dirty="0">
+                          <a:effectLst/>
+                        </a:rPr>
+                        <a:t> </a:t>
+                      </a:r>
+                      <a:endParaRPr lang="nl-NL" sz="900" dirty="0">
+                        <a:effectLst/>
+                        <a:latin typeface="Calibri" panose="020F0502020204030204" pitchFamily="34" charset="0"/>
+                        <a:ea typeface="Calibri" panose="020F0502020204030204" pitchFamily="34" charset="0"/>
+                        <a:cs typeface="Arial" panose="020B0604020202020204" pitchFamily="34" charset="0"/>
+                      </a:endParaRPr>
+                    </a:p>
+                  </a:txBody>
+                  <a:tcPr marL="27609" marR="27609" marT="0" marB="0"/>
+                </a:tc>
+                <a:tc>
+                  <a:txBody>
+                    <a:bodyPr/>
+                    <a:lstStyle/>
+                    <a:p>
+                      <a:r>
+                        <a:rPr lang="nl-NL" sz="900" dirty="0">
+                          <a:effectLst/>
+                        </a:rPr>
+                        <a:t> </a:t>
+                      </a:r>
+                      <a:endParaRPr lang="nl-NL" sz="900" dirty="0">
+                        <a:effectLst/>
+                        <a:latin typeface="Calibri" panose="020F0502020204030204" pitchFamily="34" charset="0"/>
+                        <a:ea typeface="Calibri" panose="020F0502020204030204" pitchFamily="34" charset="0"/>
+                        <a:cs typeface="Arial" panose="020B0604020202020204" pitchFamily="34" charset="0"/>
+                      </a:endParaRPr>
+                    </a:p>
+                  </a:txBody>
+                  <a:tcPr marL="27609" marR="27609" marT="0" marB="0"/>
+                </a:tc>
+                <a:tc>
+                  <a:txBody>
+                    <a:bodyPr/>
+                    <a:lstStyle/>
+                    <a:p>
+                      <a:r>
+                        <a:rPr lang="nl-NL" sz="900">
+                          <a:effectLst/>
+                        </a:rPr>
+                        <a:t> </a:t>
+                      </a:r>
+                      <a:endParaRPr lang="nl-NL" sz="900">
+                        <a:effectLst/>
+                        <a:latin typeface="Calibri" panose="020F0502020204030204" pitchFamily="34" charset="0"/>
+                        <a:ea typeface="Calibri" panose="020F0502020204030204" pitchFamily="34" charset="0"/>
+                        <a:cs typeface="Arial" panose="020B0604020202020204" pitchFamily="34" charset="0"/>
+                      </a:endParaRPr>
+                    </a:p>
+                  </a:txBody>
+                  <a:tcPr marL="27609" marR="27609" marT="0" marB="0"/>
+                </a:tc>
+                <a:tc>
+                  <a:txBody>
+                    <a:bodyPr/>
+                    <a:lstStyle/>
+                    <a:p>
+                      <a:r>
+                        <a:rPr lang="nl-NL" sz="900" dirty="0">
+                          <a:effectLst/>
+                        </a:rPr>
+                        <a:t>Ontwerp voor pashouder.</a:t>
+                      </a:r>
+                      <a:endParaRPr lang="nl-NL" sz="900" dirty="0">
+                        <a:effectLst/>
+                        <a:latin typeface="Calibri" panose="020F0502020204030204" pitchFamily="34" charset="0"/>
+                        <a:ea typeface="Calibri" panose="020F0502020204030204" pitchFamily="34" charset="0"/>
+                        <a:cs typeface="Arial" panose="020B0604020202020204" pitchFamily="34" charset="0"/>
+                      </a:endParaRPr>
+                    </a:p>
+                  </a:txBody>
+                  <a:tcPr marL="27609" marR="27609" marT="0" marB="0"/>
+                </a:tc>
+                <a:tc>
+                  <a:txBody>
+                    <a:bodyPr/>
+                    <a:lstStyle/>
+                    <a:p>
+                      <a:r>
+                        <a:rPr lang="nl-NL" sz="900">
+                          <a:effectLst/>
+                        </a:rPr>
+                        <a:t> </a:t>
+                      </a:r>
+                      <a:endParaRPr lang="nl-NL" sz="900">
+                        <a:effectLst/>
+                        <a:latin typeface="Calibri" panose="020F0502020204030204" pitchFamily="34" charset="0"/>
+                        <a:ea typeface="Calibri" panose="020F0502020204030204" pitchFamily="34" charset="0"/>
+                        <a:cs typeface="Arial" panose="020B0604020202020204" pitchFamily="34" charset="0"/>
+                      </a:endParaRPr>
+                    </a:p>
+                  </a:txBody>
+                  <a:tcPr marL="27609" marR="27609" marT="0" marB="0"/>
+                </a:tc>
+                <a:tc>
+                  <a:txBody>
+                    <a:bodyPr/>
+                    <a:lstStyle/>
+                    <a:p>
+                      <a:r>
+                        <a:rPr lang="nl-NL" sz="900">
+                          <a:effectLst/>
+                        </a:rPr>
+                        <a:t>Zonder pas geen toegang tot het systeem.</a:t>
+                      </a:r>
+                      <a:endParaRPr lang="nl-NL" sz="900">
+                        <a:effectLst/>
+                        <a:latin typeface="Calibri" panose="020F0502020204030204" pitchFamily="34" charset="0"/>
+                        <a:ea typeface="Calibri" panose="020F0502020204030204" pitchFamily="34" charset="0"/>
+                        <a:cs typeface="Arial" panose="020B0604020202020204" pitchFamily="34" charset="0"/>
+                      </a:endParaRPr>
+                    </a:p>
+                  </a:txBody>
+                  <a:tcPr marL="27609" marR="27609" marT="0" marB="0"/>
+                </a:tc>
+                <a:extLst>
+                  <a:ext uri="{0D108BD9-81ED-4DB2-BD59-A6C34878D82A}">
+                    <a16:rowId xmlns:a16="http://schemas.microsoft.com/office/drawing/2014/main" val="1859330268"/>
+                  </a:ext>
+                </a:extLst>
+              </a:tr>
+              <a:tr h="164262">
+                <a:tc>
+                  <a:txBody>
+                    <a:bodyPr/>
+                    <a:lstStyle/>
+                    <a:p>
+                      <a:r>
+                        <a:rPr lang="nl-NL" sz="900">
+                          <a:effectLst/>
+                        </a:rPr>
+                        <a:t> </a:t>
+                      </a:r>
+                      <a:endParaRPr lang="nl-NL" sz="900">
+                        <a:effectLst/>
+                        <a:latin typeface="Calibri" panose="020F0502020204030204" pitchFamily="34" charset="0"/>
+                        <a:ea typeface="Calibri" panose="020F0502020204030204" pitchFamily="34" charset="0"/>
+                        <a:cs typeface="Arial" panose="020B0604020202020204" pitchFamily="34" charset="0"/>
+                      </a:endParaRPr>
+                    </a:p>
+                  </a:txBody>
+                  <a:tcPr marL="27609" marR="27609" marT="0" marB="0"/>
+                </a:tc>
+                <a:tc>
+                  <a:txBody>
+                    <a:bodyPr/>
+                    <a:lstStyle/>
+                    <a:p>
+                      <a:r>
+                        <a:rPr lang="nl-NL" sz="900" dirty="0">
+                          <a:effectLst/>
+                        </a:rPr>
+                        <a:t> </a:t>
+                      </a:r>
+                      <a:endParaRPr lang="nl-NL" sz="900" dirty="0">
+                        <a:effectLst/>
+                        <a:latin typeface="Calibri" panose="020F0502020204030204" pitchFamily="34" charset="0"/>
+                        <a:ea typeface="Calibri" panose="020F0502020204030204" pitchFamily="34" charset="0"/>
+                        <a:cs typeface="Arial" panose="020B0604020202020204" pitchFamily="34" charset="0"/>
+                      </a:endParaRPr>
+                    </a:p>
+                  </a:txBody>
+                  <a:tcPr marL="27609" marR="27609" marT="0" marB="0"/>
+                </a:tc>
+                <a:tc>
+                  <a:txBody>
+                    <a:bodyPr/>
+                    <a:lstStyle/>
+                    <a:p>
+                      <a:r>
+                        <a:rPr lang="nl-NL" sz="900" dirty="0">
+                          <a:effectLst/>
+                        </a:rPr>
+                        <a:t> </a:t>
+                      </a:r>
+                      <a:endParaRPr lang="nl-NL" sz="900" dirty="0">
+                        <a:effectLst/>
+                        <a:latin typeface="Calibri" panose="020F0502020204030204" pitchFamily="34" charset="0"/>
+                        <a:ea typeface="Calibri" panose="020F0502020204030204" pitchFamily="34" charset="0"/>
+                        <a:cs typeface="Arial" panose="020B0604020202020204" pitchFamily="34" charset="0"/>
+                      </a:endParaRPr>
+                    </a:p>
+                  </a:txBody>
+                  <a:tcPr marL="27609" marR="27609" marT="0" marB="0"/>
+                </a:tc>
+                <a:tc>
+                  <a:txBody>
+                    <a:bodyPr/>
+                    <a:lstStyle/>
+                    <a:p>
+                      <a:r>
+                        <a:rPr lang="nl-NL" sz="900">
+                          <a:effectLst/>
+                        </a:rPr>
+                        <a:t> </a:t>
+                      </a:r>
+                      <a:endParaRPr lang="nl-NL" sz="900">
+                        <a:effectLst/>
+                        <a:latin typeface="Calibri" panose="020F0502020204030204" pitchFamily="34" charset="0"/>
+                        <a:ea typeface="Calibri" panose="020F0502020204030204" pitchFamily="34" charset="0"/>
+                        <a:cs typeface="Arial" panose="020B0604020202020204" pitchFamily="34" charset="0"/>
+                      </a:endParaRPr>
+                    </a:p>
+                  </a:txBody>
+                  <a:tcPr marL="27609" marR="27609" marT="0" marB="0"/>
+                </a:tc>
+                <a:tc>
+                  <a:txBody>
+                    <a:bodyPr/>
+                    <a:lstStyle/>
+                    <a:p>
+                      <a:r>
+                        <a:rPr lang="nl-NL" sz="900">
+                          <a:effectLst/>
+                        </a:rPr>
+                        <a:t>RFID moet de pas kunnen detecteren.</a:t>
+                      </a:r>
+                      <a:endParaRPr lang="nl-NL" sz="900">
+                        <a:effectLst/>
+                        <a:latin typeface="Calibri" panose="020F0502020204030204" pitchFamily="34" charset="0"/>
+                        <a:ea typeface="Calibri" panose="020F0502020204030204" pitchFamily="34" charset="0"/>
+                        <a:cs typeface="Arial" panose="020B0604020202020204" pitchFamily="34" charset="0"/>
+                      </a:endParaRPr>
+                    </a:p>
+                  </a:txBody>
+                  <a:tcPr marL="27609" marR="27609" marT="0" marB="0"/>
+                </a:tc>
+                <a:tc>
+                  <a:txBody>
+                    <a:bodyPr/>
+                    <a:lstStyle/>
+                    <a:p>
+                      <a:r>
+                        <a:rPr lang="nl-NL" sz="900">
+                          <a:effectLst/>
+                        </a:rPr>
+                        <a:t> </a:t>
+                      </a:r>
+                      <a:endParaRPr lang="nl-NL" sz="900">
+                        <a:effectLst/>
+                        <a:latin typeface="Calibri" panose="020F0502020204030204" pitchFamily="34" charset="0"/>
+                        <a:ea typeface="Calibri" panose="020F0502020204030204" pitchFamily="34" charset="0"/>
+                        <a:cs typeface="Arial" panose="020B0604020202020204" pitchFamily="34" charset="0"/>
+                      </a:endParaRPr>
+                    </a:p>
+                  </a:txBody>
+                  <a:tcPr marL="27609" marR="27609" marT="0" marB="0"/>
+                </a:tc>
+                <a:tc>
+                  <a:txBody>
+                    <a:bodyPr/>
+                    <a:lstStyle/>
+                    <a:p>
+                      <a:r>
+                        <a:rPr lang="nl-NL" sz="900">
+                          <a:effectLst/>
+                        </a:rPr>
+                        <a:t> </a:t>
+                      </a:r>
+                      <a:endParaRPr lang="nl-NL" sz="900">
+                        <a:effectLst/>
+                        <a:latin typeface="Calibri" panose="020F0502020204030204" pitchFamily="34" charset="0"/>
+                        <a:ea typeface="Calibri" panose="020F0502020204030204" pitchFamily="34" charset="0"/>
+                        <a:cs typeface="Arial" panose="020B0604020202020204" pitchFamily="34" charset="0"/>
+                      </a:endParaRPr>
+                    </a:p>
+                  </a:txBody>
+                  <a:tcPr marL="27609" marR="27609" marT="0" marB="0"/>
+                </a:tc>
+                <a:extLst>
+                  <a:ext uri="{0D108BD9-81ED-4DB2-BD59-A6C34878D82A}">
+                    <a16:rowId xmlns:a16="http://schemas.microsoft.com/office/drawing/2014/main" val="4098863248"/>
+                  </a:ext>
+                </a:extLst>
+              </a:tr>
+              <a:tr h="296730">
+                <a:tc>
+                  <a:txBody>
+                    <a:bodyPr/>
+                    <a:lstStyle/>
+                    <a:p>
+                      <a:r>
+                        <a:rPr lang="nl-NL" sz="900">
+                          <a:effectLst/>
+                        </a:rPr>
+                        <a:t>2</a:t>
+                      </a:r>
+                      <a:endParaRPr lang="nl-NL" sz="900">
+                        <a:effectLst/>
+                        <a:latin typeface="Calibri" panose="020F0502020204030204" pitchFamily="34" charset="0"/>
+                        <a:ea typeface="Calibri" panose="020F0502020204030204" pitchFamily="34" charset="0"/>
+                        <a:cs typeface="Arial" panose="020B0604020202020204" pitchFamily="34" charset="0"/>
+                      </a:endParaRPr>
+                    </a:p>
+                  </a:txBody>
+                  <a:tcPr marL="27609" marR="27609" marT="0" marB="0"/>
+                </a:tc>
+                <a:tc>
+                  <a:txBody>
+                    <a:bodyPr/>
+                    <a:lstStyle/>
+                    <a:p>
+                      <a:r>
+                        <a:rPr lang="nl-NL" sz="900" dirty="0">
+                          <a:effectLst/>
+                        </a:rPr>
+                        <a:t>Een algemene GUI.</a:t>
+                      </a:r>
+                      <a:endParaRPr lang="nl-NL" sz="900" dirty="0">
+                        <a:effectLst/>
+                        <a:latin typeface="Calibri" panose="020F0502020204030204" pitchFamily="34" charset="0"/>
+                        <a:ea typeface="Calibri" panose="020F0502020204030204" pitchFamily="34" charset="0"/>
+                        <a:cs typeface="Arial" panose="020B0604020202020204" pitchFamily="34" charset="0"/>
+                      </a:endParaRPr>
+                    </a:p>
+                  </a:txBody>
+                  <a:tcPr marL="27609" marR="27609" marT="0" marB="0"/>
+                </a:tc>
+                <a:tc>
+                  <a:txBody>
+                    <a:bodyPr/>
+                    <a:lstStyle/>
+                    <a:p>
+                      <a:r>
+                        <a:rPr lang="nl-NL" sz="900" dirty="0">
+                          <a:effectLst/>
+                        </a:rPr>
+                        <a:t>De opdrachtgever</a:t>
+                      </a:r>
+                      <a:endParaRPr lang="nl-NL" sz="900" dirty="0">
+                        <a:effectLst/>
+                        <a:latin typeface="Calibri" panose="020F0502020204030204" pitchFamily="34" charset="0"/>
+                        <a:ea typeface="Calibri" panose="020F0502020204030204" pitchFamily="34" charset="0"/>
+                        <a:cs typeface="Arial" panose="020B0604020202020204" pitchFamily="34" charset="0"/>
+                      </a:endParaRPr>
+                    </a:p>
+                  </a:txBody>
+                  <a:tcPr marL="27609" marR="27609" marT="0" marB="0"/>
+                </a:tc>
+                <a:tc>
+                  <a:txBody>
+                    <a:bodyPr/>
+                    <a:lstStyle/>
+                    <a:p>
+                      <a:r>
+                        <a:rPr lang="nl-NL" sz="900">
+                          <a:effectLst/>
+                        </a:rPr>
+                        <a:t>Om de transacties te bekijken.</a:t>
+                      </a:r>
+                      <a:endParaRPr lang="nl-NL" sz="900">
+                        <a:effectLst/>
+                        <a:latin typeface="Calibri" panose="020F0502020204030204" pitchFamily="34" charset="0"/>
+                        <a:ea typeface="Calibri" panose="020F0502020204030204" pitchFamily="34" charset="0"/>
+                        <a:cs typeface="Arial" panose="020B0604020202020204" pitchFamily="34" charset="0"/>
+                      </a:endParaRPr>
+                    </a:p>
+                  </a:txBody>
+                  <a:tcPr marL="27609" marR="27609" marT="0" marB="0"/>
+                </a:tc>
+                <a:tc>
+                  <a:txBody>
+                    <a:bodyPr/>
+                    <a:lstStyle/>
+                    <a:p>
+                      <a:r>
+                        <a:rPr lang="nl-NL" sz="900">
+                          <a:effectLst/>
+                        </a:rPr>
+                        <a:t>Onderzoek naar GUI in Java. </a:t>
+                      </a:r>
+                      <a:endParaRPr lang="nl-NL" sz="900">
+                        <a:effectLst/>
+                        <a:latin typeface="Calibri" panose="020F0502020204030204" pitchFamily="34" charset="0"/>
+                        <a:ea typeface="Calibri" panose="020F0502020204030204" pitchFamily="34" charset="0"/>
+                        <a:cs typeface="Arial" panose="020B0604020202020204" pitchFamily="34" charset="0"/>
+                      </a:endParaRPr>
+                    </a:p>
+                  </a:txBody>
+                  <a:tcPr marL="27609" marR="27609" marT="0" marB="0"/>
+                </a:tc>
+                <a:tc>
+                  <a:txBody>
+                    <a:bodyPr/>
+                    <a:lstStyle/>
+                    <a:p>
+                      <a:r>
+                        <a:rPr lang="nl-NL" sz="900">
+                          <a:effectLst/>
+                        </a:rPr>
+                        <a:t>10</a:t>
+                      </a:r>
+                      <a:endParaRPr lang="nl-NL" sz="900">
+                        <a:effectLst/>
+                        <a:latin typeface="Calibri" panose="020F0502020204030204" pitchFamily="34" charset="0"/>
+                        <a:ea typeface="Calibri" panose="020F0502020204030204" pitchFamily="34" charset="0"/>
+                        <a:cs typeface="Arial" panose="020B0604020202020204" pitchFamily="34" charset="0"/>
+                      </a:endParaRPr>
+                    </a:p>
+                  </a:txBody>
+                  <a:tcPr marL="27609" marR="27609" marT="0" marB="0"/>
+                </a:tc>
+                <a:tc>
+                  <a:txBody>
+                    <a:bodyPr/>
+                    <a:lstStyle/>
+                    <a:p>
+                      <a:r>
+                        <a:rPr lang="nl-NL" sz="900">
+                          <a:effectLst/>
+                        </a:rPr>
+                        <a:t>Een voor pagina moet een logo, taal knop en een hulp gif bevatten.</a:t>
+                      </a:r>
+                      <a:endParaRPr lang="nl-NL" sz="900">
+                        <a:effectLst/>
+                        <a:latin typeface="Calibri" panose="020F0502020204030204" pitchFamily="34" charset="0"/>
+                        <a:ea typeface="Calibri" panose="020F0502020204030204" pitchFamily="34" charset="0"/>
+                        <a:cs typeface="Arial" panose="020B0604020202020204" pitchFamily="34" charset="0"/>
+                      </a:endParaRPr>
+                    </a:p>
+                  </a:txBody>
+                  <a:tcPr marL="27609" marR="27609" marT="0" marB="0"/>
+                </a:tc>
+                <a:extLst>
+                  <a:ext uri="{0D108BD9-81ED-4DB2-BD59-A6C34878D82A}">
+                    <a16:rowId xmlns:a16="http://schemas.microsoft.com/office/drawing/2014/main" val="3930480786"/>
+                  </a:ext>
+                </a:extLst>
+              </a:tr>
+              <a:tr h="164262">
+                <a:tc>
+                  <a:txBody>
+                    <a:bodyPr/>
+                    <a:lstStyle/>
+                    <a:p>
+                      <a:r>
+                        <a:rPr lang="nl-NL" sz="900">
+                          <a:effectLst/>
+                        </a:rPr>
+                        <a:t> </a:t>
+                      </a:r>
+                      <a:endParaRPr lang="nl-NL" sz="900">
+                        <a:effectLst/>
+                        <a:latin typeface="Calibri" panose="020F0502020204030204" pitchFamily="34" charset="0"/>
+                        <a:ea typeface="Calibri" panose="020F0502020204030204" pitchFamily="34" charset="0"/>
+                        <a:cs typeface="Arial" panose="020B0604020202020204" pitchFamily="34" charset="0"/>
+                      </a:endParaRPr>
+                    </a:p>
+                  </a:txBody>
+                  <a:tcPr marL="27609" marR="27609" marT="0" marB="0"/>
+                </a:tc>
+                <a:tc>
+                  <a:txBody>
+                    <a:bodyPr/>
+                    <a:lstStyle/>
+                    <a:p>
+                      <a:r>
+                        <a:rPr lang="nl-NL" sz="900">
+                          <a:effectLst/>
+                        </a:rPr>
+                        <a:t> </a:t>
+                      </a:r>
+                      <a:endParaRPr lang="nl-NL" sz="900">
+                        <a:effectLst/>
+                        <a:latin typeface="Calibri" panose="020F0502020204030204" pitchFamily="34" charset="0"/>
+                        <a:ea typeface="Calibri" panose="020F0502020204030204" pitchFamily="34" charset="0"/>
+                        <a:cs typeface="Arial" panose="020B0604020202020204" pitchFamily="34" charset="0"/>
+                      </a:endParaRPr>
+                    </a:p>
+                  </a:txBody>
+                  <a:tcPr marL="27609" marR="27609" marT="0" marB="0"/>
+                </a:tc>
+                <a:tc>
+                  <a:txBody>
+                    <a:bodyPr/>
+                    <a:lstStyle/>
+                    <a:p>
+                      <a:r>
+                        <a:rPr lang="nl-NL" sz="900" dirty="0">
+                          <a:effectLst/>
+                        </a:rPr>
+                        <a:t> </a:t>
+                      </a:r>
+                      <a:endParaRPr lang="nl-NL" sz="900" dirty="0">
+                        <a:effectLst/>
+                        <a:latin typeface="Calibri" panose="020F0502020204030204" pitchFamily="34" charset="0"/>
+                        <a:ea typeface="Calibri" panose="020F0502020204030204" pitchFamily="34" charset="0"/>
+                        <a:cs typeface="Arial" panose="020B0604020202020204" pitchFamily="34" charset="0"/>
+                      </a:endParaRPr>
+                    </a:p>
+                  </a:txBody>
+                  <a:tcPr marL="27609" marR="27609" marT="0" marB="0"/>
+                </a:tc>
+                <a:tc>
+                  <a:txBody>
+                    <a:bodyPr/>
+                    <a:lstStyle/>
+                    <a:p>
+                      <a:r>
+                        <a:rPr lang="nl-NL" sz="900">
+                          <a:effectLst/>
+                        </a:rPr>
+                        <a:t> </a:t>
+                      </a:r>
+                      <a:endParaRPr lang="nl-NL" sz="900">
+                        <a:effectLst/>
+                        <a:latin typeface="Calibri" panose="020F0502020204030204" pitchFamily="34" charset="0"/>
+                        <a:ea typeface="Calibri" panose="020F0502020204030204" pitchFamily="34" charset="0"/>
+                        <a:cs typeface="Arial" panose="020B0604020202020204" pitchFamily="34" charset="0"/>
+                      </a:endParaRPr>
+                    </a:p>
+                  </a:txBody>
+                  <a:tcPr marL="27609" marR="27609" marT="0" marB="0"/>
+                </a:tc>
+                <a:tc>
+                  <a:txBody>
+                    <a:bodyPr/>
+                    <a:lstStyle/>
+                    <a:p>
+                      <a:r>
+                        <a:rPr lang="nl-NL" sz="900">
+                          <a:effectLst/>
+                        </a:rPr>
+                        <a:t>Een lay-out maken.</a:t>
+                      </a:r>
+                      <a:endParaRPr lang="nl-NL" sz="900">
+                        <a:effectLst/>
+                        <a:latin typeface="Calibri" panose="020F0502020204030204" pitchFamily="34" charset="0"/>
+                        <a:ea typeface="Calibri" panose="020F0502020204030204" pitchFamily="34" charset="0"/>
+                        <a:cs typeface="Arial" panose="020B0604020202020204" pitchFamily="34" charset="0"/>
+                      </a:endParaRPr>
+                    </a:p>
+                  </a:txBody>
+                  <a:tcPr marL="27609" marR="27609" marT="0" marB="0"/>
+                </a:tc>
+                <a:tc>
+                  <a:txBody>
+                    <a:bodyPr/>
+                    <a:lstStyle/>
+                    <a:p>
+                      <a:r>
+                        <a:rPr lang="nl-NL" sz="900">
+                          <a:effectLst/>
+                        </a:rPr>
+                        <a:t> </a:t>
+                      </a:r>
+                      <a:endParaRPr lang="nl-NL" sz="900">
+                        <a:effectLst/>
+                        <a:latin typeface="Calibri" panose="020F0502020204030204" pitchFamily="34" charset="0"/>
+                        <a:ea typeface="Calibri" panose="020F0502020204030204" pitchFamily="34" charset="0"/>
+                        <a:cs typeface="Arial" panose="020B0604020202020204" pitchFamily="34" charset="0"/>
+                      </a:endParaRPr>
+                    </a:p>
+                  </a:txBody>
+                  <a:tcPr marL="27609" marR="27609" marT="0" marB="0"/>
+                </a:tc>
+                <a:tc>
+                  <a:txBody>
+                    <a:bodyPr/>
+                    <a:lstStyle/>
+                    <a:p>
+                      <a:r>
+                        <a:rPr lang="nl-NL" sz="900">
+                          <a:effectLst/>
+                        </a:rPr>
+                        <a:t>Menu bevatten.</a:t>
+                      </a:r>
+                      <a:endParaRPr lang="nl-NL" sz="900">
+                        <a:effectLst/>
+                        <a:latin typeface="Calibri" panose="020F0502020204030204" pitchFamily="34" charset="0"/>
+                        <a:ea typeface="Calibri" panose="020F0502020204030204" pitchFamily="34" charset="0"/>
+                        <a:cs typeface="Arial" panose="020B0604020202020204" pitchFamily="34" charset="0"/>
+                      </a:endParaRPr>
+                    </a:p>
+                  </a:txBody>
+                  <a:tcPr marL="27609" marR="27609" marT="0" marB="0"/>
+                </a:tc>
+                <a:extLst>
+                  <a:ext uri="{0D108BD9-81ED-4DB2-BD59-A6C34878D82A}">
+                    <a16:rowId xmlns:a16="http://schemas.microsoft.com/office/drawing/2014/main" val="1480405571"/>
+                  </a:ext>
+                </a:extLst>
+              </a:tr>
+              <a:tr h="164262">
+                <a:tc>
+                  <a:txBody>
+                    <a:bodyPr/>
+                    <a:lstStyle/>
+                    <a:p>
+                      <a:r>
+                        <a:rPr lang="nl-NL" sz="900">
+                          <a:effectLst/>
+                        </a:rPr>
+                        <a:t> </a:t>
+                      </a:r>
+                      <a:endParaRPr lang="nl-NL" sz="900">
+                        <a:effectLst/>
+                        <a:latin typeface="Calibri" panose="020F0502020204030204" pitchFamily="34" charset="0"/>
+                        <a:ea typeface="Calibri" panose="020F0502020204030204" pitchFamily="34" charset="0"/>
+                        <a:cs typeface="Arial" panose="020B0604020202020204" pitchFamily="34" charset="0"/>
+                      </a:endParaRPr>
+                    </a:p>
+                  </a:txBody>
+                  <a:tcPr marL="27609" marR="27609" marT="0" marB="0"/>
+                </a:tc>
+                <a:tc>
+                  <a:txBody>
+                    <a:bodyPr/>
+                    <a:lstStyle/>
+                    <a:p>
+                      <a:r>
+                        <a:rPr lang="nl-NL" sz="900">
+                          <a:effectLst/>
+                        </a:rPr>
+                        <a:t> </a:t>
+                      </a:r>
+                      <a:endParaRPr lang="nl-NL" sz="900">
+                        <a:effectLst/>
+                        <a:latin typeface="Calibri" panose="020F0502020204030204" pitchFamily="34" charset="0"/>
+                        <a:ea typeface="Calibri" panose="020F0502020204030204" pitchFamily="34" charset="0"/>
+                        <a:cs typeface="Arial" panose="020B0604020202020204" pitchFamily="34" charset="0"/>
+                      </a:endParaRPr>
+                    </a:p>
+                  </a:txBody>
+                  <a:tcPr marL="27609" marR="27609" marT="0" marB="0"/>
+                </a:tc>
+                <a:tc>
+                  <a:txBody>
+                    <a:bodyPr/>
+                    <a:lstStyle/>
+                    <a:p>
+                      <a:r>
+                        <a:rPr lang="nl-NL" sz="900">
+                          <a:effectLst/>
+                        </a:rPr>
+                        <a:t> </a:t>
+                      </a:r>
+                      <a:endParaRPr lang="nl-NL" sz="900">
+                        <a:effectLst/>
+                        <a:latin typeface="Calibri" panose="020F0502020204030204" pitchFamily="34" charset="0"/>
+                        <a:ea typeface="Calibri" panose="020F0502020204030204" pitchFamily="34" charset="0"/>
+                        <a:cs typeface="Arial" panose="020B0604020202020204" pitchFamily="34" charset="0"/>
+                      </a:endParaRPr>
+                    </a:p>
+                  </a:txBody>
+                  <a:tcPr marL="27609" marR="27609" marT="0" marB="0"/>
+                </a:tc>
+                <a:tc>
+                  <a:txBody>
+                    <a:bodyPr/>
+                    <a:lstStyle/>
+                    <a:p>
+                      <a:r>
+                        <a:rPr lang="nl-NL" sz="900">
+                          <a:effectLst/>
+                        </a:rPr>
+                        <a:t> </a:t>
+                      </a:r>
+                      <a:endParaRPr lang="nl-NL" sz="900">
+                        <a:effectLst/>
+                        <a:latin typeface="Calibri" panose="020F0502020204030204" pitchFamily="34" charset="0"/>
+                        <a:ea typeface="Calibri" panose="020F0502020204030204" pitchFamily="34" charset="0"/>
+                        <a:cs typeface="Arial" panose="020B0604020202020204" pitchFamily="34" charset="0"/>
+                      </a:endParaRPr>
+                    </a:p>
+                  </a:txBody>
+                  <a:tcPr marL="27609" marR="27609" marT="0" marB="0"/>
+                </a:tc>
+                <a:tc>
+                  <a:txBody>
+                    <a:bodyPr/>
+                    <a:lstStyle/>
+                    <a:p>
+                      <a:r>
+                        <a:rPr lang="nl-NL" sz="900">
+                          <a:effectLst/>
+                        </a:rPr>
+                        <a:t>Coderen van de GUI.</a:t>
+                      </a:r>
+                      <a:endParaRPr lang="nl-NL" sz="900">
+                        <a:effectLst/>
+                        <a:latin typeface="Calibri" panose="020F0502020204030204" pitchFamily="34" charset="0"/>
+                        <a:ea typeface="Calibri" panose="020F0502020204030204" pitchFamily="34" charset="0"/>
+                        <a:cs typeface="Arial" panose="020B0604020202020204" pitchFamily="34" charset="0"/>
+                      </a:endParaRPr>
+                    </a:p>
+                  </a:txBody>
+                  <a:tcPr marL="27609" marR="27609" marT="0" marB="0"/>
+                </a:tc>
+                <a:tc>
+                  <a:txBody>
+                    <a:bodyPr/>
+                    <a:lstStyle/>
+                    <a:p>
+                      <a:r>
+                        <a:rPr lang="nl-NL" sz="900">
+                          <a:effectLst/>
+                        </a:rPr>
+                        <a:t> </a:t>
+                      </a:r>
+                      <a:endParaRPr lang="nl-NL" sz="900">
+                        <a:effectLst/>
+                        <a:latin typeface="Calibri" panose="020F0502020204030204" pitchFamily="34" charset="0"/>
+                        <a:ea typeface="Calibri" panose="020F0502020204030204" pitchFamily="34" charset="0"/>
+                        <a:cs typeface="Arial" panose="020B0604020202020204" pitchFamily="34" charset="0"/>
+                      </a:endParaRPr>
+                    </a:p>
+                  </a:txBody>
+                  <a:tcPr marL="27609" marR="27609" marT="0" marB="0"/>
+                </a:tc>
+                <a:tc>
+                  <a:txBody>
+                    <a:bodyPr/>
+                    <a:lstStyle/>
+                    <a:p>
+                      <a:r>
+                        <a:rPr lang="nl-NL" sz="900">
+                          <a:effectLst/>
+                        </a:rPr>
+                        <a:t> </a:t>
+                      </a:r>
+                      <a:endParaRPr lang="nl-NL" sz="900">
+                        <a:effectLst/>
+                        <a:latin typeface="Calibri" panose="020F0502020204030204" pitchFamily="34" charset="0"/>
+                        <a:ea typeface="Calibri" panose="020F0502020204030204" pitchFamily="34" charset="0"/>
+                        <a:cs typeface="Arial" panose="020B0604020202020204" pitchFamily="34" charset="0"/>
+                      </a:endParaRPr>
+                    </a:p>
+                  </a:txBody>
+                  <a:tcPr marL="27609" marR="27609" marT="0" marB="0"/>
+                </a:tc>
+                <a:extLst>
+                  <a:ext uri="{0D108BD9-81ED-4DB2-BD59-A6C34878D82A}">
+                    <a16:rowId xmlns:a16="http://schemas.microsoft.com/office/drawing/2014/main" val="3313732435"/>
+                  </a:ext>
+                </a:extLst>
+              </a:tr>
+              <a:tr h="296730">
+                <a:tc>
+                  <a:txBody>
+                    <a:bodyPr/>
+                    <a:lstStyle/>
+                    <a:p>
+                      <a:r>
+                        <a:rPr lang="nl-NL" sz="900" dirty="0">
+                          <a:effectLst/>
+                        </a:rPr>
+                        <a:t>3</a:t>
+                      </a:r>
+                      <a:endParaRPr lang="nl-NL" sz="900" dirty="0">
+                        <a:effectLst/>
+                        <a:latin typeface="Calibri" panose="020F0502020204030204" pitchFamily="34" charset="0"/>
+                        <a:ea typeface="Calibri" panose="020F0502020204030204" pitchFamily="34" charset="0"/>
+                        <a:cs typeface="Arial" panose="020B0604020202020204" pitchFamily="34" charset="0"/>
+                      </a:endParaRPr>
+                    </a:p>
+                  </a:txBody>
+                  <a:tcPr marL="27609" marR="27609" marT="0" marB="0"/>
+                </a:tc>
+                <a:tc>
+                  <a:txBody>
+                    <a:bodyPr/>
+                    <a:lstStyle/>
+                    <a:p>
+                      <a:r>
+                        <a:rPr lang="nl-NL" sz="900" dirty="0">
+                          <a:effectLst/>
+                        </a:rPr>
+                        <a:t>Je pincode in kunnen voeren.</a:t>
+                      </a:r>
+                      <a:endParaRPr lang="nl-NL" sz="900" dirty="0">
+                        <a:effectLst/>
+                        <a:latin typeface="Calibri" panose="020F0502020204030204" pitchFamily="34" charset="0"/>
+                        <a:ea typeface="Calibri" panose="020F0502020204030204" pitchFamily="34" charset="0"/>
+                        <a:cs typeface="Arial" panose="020B0604020202020204" pitchFamily="34" charset="0"/>
+                      </a:endParaRPr>
+                    </a:p>
+                  </a:txBody>
+                  <a:tcPr marL="27609" marR="27609" marT="0" marB="0"/>
+                </a:tc>
+                <a:tc>
+                  <a:txBody>
+                    <a:bodyPr/>
+                    <a:lstStyle/>
+                    <a:p>
+                      <a:r>
+                        <a:rPr lang="nl-NL" sz="900">
+                          <a:effectLst/>
+                        </a:rPr>
+                        <a:t>De opdrachtgever</a:t>
+                      </a:r>
+                      <a:endParaRPr lang="nl-NL" sz="900">
+                        <a:effectLst/>
+                        <a:latin typeface="Calibri" panose="020F0502020204030204" pitchFamily="34" charset="0"/>
+                        <a:ea typeface="Calibri" panose="020F0502020204030204" pitchFamily="34" charset="0"/>
+                        <a:cs typeface="Arial" panose="020B0604020202020204" pitchFamily="34" charset="0"/>
+                      </a:endParaRPr>
+                    </a:p>
+                  </a:txBody>
+                  <a:tcPr marL="27609" marR="27609" marT="0" marB="0"/>
+                </a:tc>
+                <a:tc>
+                  <a:txBody>
+                    <a:bodyPr/>
+                    <a:lstStyle/>
+                    <a:p>
+                      <a:r>
+                        <a:rPr lang="nl-NL" sz="900">
+                          <a:effectLst/>
+                        </a:rPr>
+                        <a:t>Om veilig te kunnen pinnen.</a:t>
+                      </a:r>
+                      <a:endParaRPr lang="nl-NL" sz="900">
+                        <a:effectLst/>
+                        <a:latin typeface="Calibri" panose="020F0502020204030204" pitchFamily="34" charset="0"/>
+                        <a:ea typeface="Calibri" panose="020F0502020204030204" pitchFamily="34" charset="0"/>
+                        <a:cs typeface="Arial" panose="020B0604020202020204" pitchFamily="34" charset="0"/>
+                      </a:endParaRPr>
+                    </a:p>
+                  </a:txBody>
+                  <a:tcPr marL="27609" marR="27609" marT="0" marB="0"/>
+                </a:tc>
+                <a:tc>
+                  <a:txBody>
+                    <a:bodyPr/>
+                    <a:lstStyle/>
+                    <a:p>
+                      <a:r>
+                        <a:rPr lang="nl-NL" sz="900">
+                          <a:effectLst/>
+                        </a:rPr>
+                        <a:t>Fritzing maken van de numpad.</a:t>
+                      </a:r>
+                      <a:endParaRPr lang="nl-NL" sz="900">
+                        <a:effectLst/>
+                        <a:latin typeface="Calibri" panose="020F0502020204030204" pitchFamily="34" charset="0"/>
+                        <a:ea typeface="Calibri" panose="020F0502020204030204" pitchFamily="34" charset="0"/>
+                        <a:cs typeface="Arial" panose="020B0604020202020204" pitchFamily="34" charset="0"/>
+                      </a:endParaRPr>
+                    </a:p>
+                  </a:txBody>
+                  <a:tcPr marL="27609" marR="27609" marT="0" marB="0"/>
+                </a:tc>
+                <a:tc>
+                  <a:txBody>
+                    <a:bodyPr/>
+                    <a:lstStyle/>
+                    <a:p>
+                      <a:r>
+                        <a:rPr lang="nl-NL" sz="900">
+                          <a:effectLst/>
+                        </a:rPr>
+                        <a:t>3</a:t>
+                      </a:r>
+                      <a:endParaRPr lang="nl-NL" sz="900">
+                        <a:effectLst/>
+                        <a:latin typeface="Calibri" panose="020F0502020204030204" pitchFamily="34" charset="0"/>
+                        <a:ea typeface="Calibri" panose="020F0502020204030204" pitchFamily="34" charset="0"/>
+                        <a:cs typeface="Arial" panose="020B0604020202020204" pitchFamily="34" charset="0"/>
+                      </a:endParaRPr>
+                    </a:p>
+                  </a:txBody>
+                  <a:tcPr marL="27609" marR="27609" marT="0" marB="0"/>
+                </a:tc>
+                <a:tc>
+                  <a:txBody>
+                    <a:bodyPr/>
+                    <a:lstStyle/>
+                    <a:p>
+                      <a:r>
+                        <a:rPr lang="nl-NL" sz="900">
+                          <a:effectLst/>
+                        </a:rPr>
+                        <a:t> De pincode moet gevraagd worden en opgenomen.</a:t>
+                      </a:r>
+                      <a:endParaRPr lang="nl-NL" sz="900">
+                        <a:effectLst/>
+                        <a:latin typeface="Calibri" panose="020F0502020204030204" pitchFamily="34" charset="0"/>
+                        <a:ea typeface="Calibri" panose="020F0502020204030204" pitchFamily="34" charset="0"/>
+                        <a:cs typeface="Arial" panose="020B0604020202020204" pitchFamily="34" charset="0"/>
+                      </a:endParaRPr>
+                    </a:p>
+                  </a:txBody>
+                  <a:tcPr marL="27609" marR="27609" marT="0" marB="0"/>
+                </a:tc>
+                <a:extLst>
+                  <a:ext uri="{0D108BD9-81ED-4DB2-BD59-A6C34878D82A}">
+                    <a16:rowId xmlns:a16="http://schemas.microsoft.com/office/drawing/2014/main" val="679273210"/>
+                  </a:ext>
+                </a:extLst>
+              </a:tr>
+              <a:tr h="296730">
+                <a:tc>
+                  <a:txBody>
+                    <a:bodyPr/>
+                    <a:lstStyle/>
+                    <a:p>
+                      <a:r>
+                        <a:rPr lang="nl-NL" sz="900">
+                          <a:effectLst/>
+                        </a:rPr>
+                        <a:t> </a:t>
+                      </a:r>
+                      <a:endParaRPr lang="nl-NL" sz="900">
+                        <a:effectLst/>
+                        <a:latin typeface="Calibri" panose="020F0502020204030204" pitchFamily="34" charset="0"/>
+                        <a:ea typeface="Calibri" panose="020F0502020204030204" pitchFamily="34" charset="0"/>
+                        <a:cs typeface="Arial" panose="020B0604020202020204" pitchFamily="34" charset="0"/>
+                      </a:endParaRPr>
+                    </a:p>
+                  </a:txBody>
+                  <a:tcPr marL="27609" marR="27609" marT="0" marB="0"/>
+                </a:tc>
+                <a:tc>
+                  <a:txBody>
+                    <a:bodyPr/>
+                    <a:lstStyle/>
+                    <a:p>
+                      <a:r>
+                        <a:rPr lang="nl-NL" sz="900">
+                          <a:effectLst/>
+                        </a:rPr>
+                        <a:t> </a:t>
+                      </a:r>
+                      <a:endParaRPr lang="nl-NL" sz="900">
+                        <a:effectLst/>
+                        <a:latin typeface="Calibri" panose="020F0502020204030204" pitchFamily="34" charset="0"/>
+                        <a:ea typeface="Calibri" panose="020F0502020204030204" pitchFamily="34" charset="0"/>
+                        <a:cs typeface="Arial" panose="020B0604020202020204" pitchFamily="34" charset="0"/>
+                      </a:endParaRPr>
+                    </a:p>
+                  </a:txBody>
+                  <a:tcPr marL="27609" marR="27609" marT="0" marB="0"/>
+                </a:tc>
+                <a:tc>
+                  <a:txBody>
+                    <a:bodyPr/>
+                    <a:lstStyle/>
+                    <a:p>
+                      <a:r>
+                        <a:rPr lang="nl-NL" sz="900">
+                          <a:effectLst/>
+                        </a:rPr>
+                        <a:t> </a:t>
+                      </a:r>
+                      <a:endParaRPr lang="nl-NL" sz="900">
+                        <a:effectLst/>
+                        <a:latin typeface="Calibri" panose="020F0502020204030204" pitchFamily="34" charset="0"/>
+                        <a:ea typeface="Calibri" panose="020F0502020204030204" pitchFamily="34" charset="0"/>
+                        <a:cs typeface="Arial" panose="020B0604020202020204" pitchFamily="34" charset="0"/>
+                      </a:endParaRPr>
+                    </a:p>
+                  </a:txBody>
+                  <a:tcPr marL="27609" marR="27609" marT="0" marB="0"/>
+                </a:tc>
+                <a:tc>
+                  <a:txBody>
+                    <a:bodyPr/>
+                    <a:lstStyle/>
+                    <a:p>
+                      <a:r>
+                        <a:rPr lang="nl-NL" sz="900">
+                          <a:effectLst/>
+                        </a:rPr>
+                        <a:t> </a:t>
+                      </a:r>
+                      <a:endParaRPr lang="nl-NL" sz="900">
+                        <a:effectLst/>
+                        <a:latin typeface="Calibri" panose="020F0502020204030204" pitchFamily="34" charset="0"/>
+                        <a:ea typeface="Calibri" panose="020F0502020204030204" pitchFamily="34" charset="0"/>
+                        <a:cs typeface="Arial" panose="020B0604020202020204" pitchFamily="34" charset="0"/>
+                      </a:endParaRPr>
+                    </a:p>
+                  </a:txBody>
+                  <a:tcPr marL="27609" marR="27609" marT="0" marB="0"/>
+                </a:tc>
+                <a:tc>
+                  <a:txBody>
+                    <a:bodyPr/>
+                    <a:lstStyle/>
+                    <a:p>
+                      <a:r>
+                        <a:rPr lang="nl-NL" sz="900">
+                          <a:effectLst/>
+                        </a:rPr>
+                        <a:t>Een array test opstellen, om codes op te slaan van de numpad.</a:t>
+                      </a:r>
+                      <a:endParaRPr lang="nl-NL" sz="900">
+                        <a:effectLst/>
+                        <a:latin typeface="Calibri" panose="020F0502020204030204" pitchFamily="34" charset="0"/>
+                        <a:ea typeface="Calibri" panose="020F0502020204030204" pitchFamily="34" charset="0"/>
+                        <a:cs typeface="Arial" panose="020B0604020202020204" pitchFamily="34" charset="0"/>
+                      </a:endParaRPr>
+                    </a:p>
+                  </a:txBody>
+                  <a:tcPr marL="27609" marR="27609" marT="0" marB="0"/>
+                </a:tc>
+                <a:tc>
+                  <a:txBody>
+                    <a:bodyPr/>
+                    <a:lstStyle/>
+                    <a:p>
+                      <a:r>
+                        <a:rPr lang="nl-NL" sz="900">
+                          <a:effectLst/>
+                        </a:rPr>
+                        <a:t> </a:t>
+                      </a:r>
+                      <a:endParaRPr lang="nl-NL" sz="900">
+                        <a:effectLst/>
+                        <a:latin typeface="Calibri" panose="020F0502020204030204" pitchFamily="34" charset="0"/>
+                        <a:ea typeface="Calibri" panose="020F0502020204030204" pitchFamily="34" charset="0"/>
+                        <a:cs typeface="Arial" panose="020B0604020202020204" pitchFamily="34" charset="0"/>
+                      </a:endParaRPr>
+                    </a:p>
+                  </a:txBody>
+                  <a:tcPr marL="27609" marR="27609" marT="0" marB="0"/>
+                </a:tc>
+                <a:tc>
+                  <a:txBody>
+                    <a:bodyPr/>
+                    <a:lstStyle/>
+                    <a:p>
+                      <a:r>
+                        <a:rPr lang="nl-NL" sz="900">
+                          <a:effectLst/>
+                        </a:rPr>
+                        <a:t> </a:t>
+                      </a:r>
+                      <a:endParaRPr lang="nl-NL" sz="900">
+                        <a:effectLst/>
+                        <a:latin typeface="Calibri" panose="020F0502020204030204" pitchFamily="34" charset="0"/>
+                        <a:ea typeface="Calibri" panose="020F0502020204030204" pitchFamily="34" charset="0"/>
+                        <a:cs typeface="Arial" panose="020B0604020202020204" pitchFamily="34" charset="0"/>
+                      </a:endParaRPr>
+                    </a:p>
+                  </a:txBody>
+                  <a:tcPr marL="27609" marR="27609" marT="0" marB="0"/>
+                </a:tc>
+                <a:extLst>
+                  <a:ext uri="{0D108BD9-81ED-4DB2-BD59-A6C34878D82A}">
+                    <a16:rowId xmlns:a16="http://schemas.microsoft.com/office/drawing/2014/main" val="3784707462"/>
+                  </a:ext>
+                </a:extLst>
+              </a:tr>
+              <a:tr h="164262">
+                <a:tc>
+                  <a:txBody>
+                    <a:bodyPr/>
+                    <a:lstStyle/>
+                    <a:p>
+                      <a:r>
+                        <a:rPr lang="nl-NL" sz="900">
+                          <a:effectLst/>
+                        </a:rPr>
+                        <a:t> </a:t>
+                      </a:r>
+                      <a:endParaRPr lang="nl-NL" sz="900">
+                        <a:effectLst/>
+                        <a:latin typeface="Calibri" panose="020F0502020204030204" pitchFamily="34" charset="0"/>
+                        <a:ea typeface="Calibri" panose="020F0502020204030204" pitchFamily="34" charset="0"/>
+                        <a:cs typeface="Arial" panose="020B0604020202020204" pitchFamily="34" charset="0"/>
+                      </a:endParaRPr>
+                    </a:p>
+                  </a:txBody>
+                  <a:tcPr marL="27609" marR="27609" marT="0" marB="0"/>
+                </a:tc>
+                <a:tc>
+                  <a:txBody>
+                    <a:bodyPr/>
+                    <a:lstStyle/>
+                    <a:p>
+                      <a:r>
+                        <a:rPr lang="nl-NL" sz="900">
+                          <a:effectLst/>
+                        </a:rPr>
+                        <a:t> </a:t>
+                      </a:r>
+                      <a:endParaRPr lang="nl-NL" sz="900">
+                        <a:effectLst/>
+                        <a:latin typeface="Calibri" panose="020F0502020204030204" pitchFamily="34" charset="0"/>
+                        <a:ea typeface="Calibri" panose="020F0502020204030204" pitchFamily="34" charset="0"/>
+                        <a:cs typeface="Arial" panose="020B0604020202020204" pitchFamily="34" charset="0"/>
+                      </a:endParaRPr>
+                    </a:p>
+                  </a:txBody>
+                  <a:tcPr marL="27609" marR="27609" marT="0" marB="0"/>
+                </a:tc>
+                <a:tc>
+                  <a:txBody>
+                    <a:bodyPr/>
+                    <a:lstStyle/>
+                    <a:p>
+                      <a:r>
+                        <a:rPr lang="nl-NL" sz="900">
+                          <a:effectLst/>
+                        </a:rPr>
+                        <a:t> </a:t>
+                      </a:r>
+                      <a:endParaRPr lang="nl-NL" sz="900">
+                        <a:effectLst/>
+                        <a:latin typeface="Calibri" panose="020F0502020204030204" pitchFamily="34" charset="0"/>
+                        <a:ea typeface="Calibri" panose="020F0502020204030204" pitchFamily="34" charset="0"/>
+                        <a:cs typeface="Arial" panose="020B0604020202020204" pitchFamily="34" charset="0"/>
+                      </a:endParaRPr>
+                    </a:p>
+                  </a:txBody>
+                  <a:tcPr marL="27609" marR="27609" marT="0" marB="0"/>
+                </a:tc>
+                <a:tc>
+                  <a:txBody>
+                    <a:bodyPr/>
+                    <a:lstStyle/>
+                    <a:p>
+                      <a:r>
+                        <a:rPr lang="nl-NL" sz="900">
+                          <a:effectLst/>
+                        </a:rPr>
+                        <a:t> </a:t>
+                      </a:r>
+                      <a:endParaRPr lang="nl-NL" sz="900">
+                        <a:effectLst/>
+                        <a:latin typeface="Calibri" panose="020F0502020204030204" pitchFamily="34" charset="0"/>
+                        <a:ea typeface="Calibri" panose="020F0502020204030204" pitchFamily="34" charset="0"/>
+                        <a:cs typeface="Arial" panose="020B0604020202020204" pitchFamily="34" charset="0"/>
+                      </a:endParaRPr>
+                    </a:p>
+                  </a:txBody>
+                  <a:tcPr marL="27609" marR="27609" marT="0" marB="0"/>
+                </a:tc>
+                <a:tc>
+                  <a:txBody>
+                    <a:bodyPr/>
+                    <a:lstStyle/>
+                    <a:p>
+                      <a:r>
+                        <a:rPr lang="nl-NL" sz="900">
+                          <a:effectLst/>
+                        </a:rPr>
+                        <a:t> </a:t>
+                      </a:r>
+                      <a:endParaRPr lang="nl-NL" sz="900">
+                        <a:effectLst/>
+                        <a:latin typeface="Calibri" panose="020F0502020204030204" pitchFamily="34" charset="0"/>
+                        <a:ea typeface="Calibri" panose="020F0502020204030204" pitchFamily="34" charset="0"/>
+                        <a:cs typeface="Arial" panose="020B0604020202020204" pitchFamily="34" charset="0"/>
+                      </a:endParaRPr>
+                    </a:p>
+                  </a:txBody>
+                  <a:tcPr marL="27609" marR="27609" marT="0" marB="0"/>
+                </a:tc>
+                <a:tc>
+                  <a:txBody>
+                    <a:bodyPr/>
+                    <a:lstStyle/>
+                    <a:p>
+                      <a:r>
+                        <a:rPr lang="nl-NL" sz="900">
+                          <a:effectLst/>
+                        </a:rPr>
+                        <a:t> </a:t>
+                      </a:r>
+                      <a:endParaRPr lang="nl-NL" sz="900">
+                        <a:effectLst/>
+                        <a:latin typeface="Calibri" panose="020F0502020204030204" pitchFamily="34" charset="0"/>
+                        <a:ea typeface="Calibri" panose="020F0502020204030204" pitchFamily="34" charset="0"/>
+                        <a:cs typeface="Arial" panose="020B0604020202020204" pitchFamily="34" charset="0"/>
+                      </a:endParaRPr>
+                    </a:p>
+                  </a:txBody>
+                  <a:tcPr marL="27609" marR="27609" marT="0" marB="0"/>
+                </a:tc>
+                <a:tc>
+                  <a:txBody>
+                    <a:bodyPr/>
+                    <a:lstStyle/>
+                    <a:p>
+                      <a:r>
+                        <a:rPr lang="nl-NL" sz="900" dirty="0">
+                          <a:effectLst/>
+                        </a:rPr>
+                        <a:t> </a:t>
+                      </a:r>
+                      <a:endParaRPr lang="nl-NL" sz="900" dirty="0">
+                        <a:effectLst/>
+                        <a:latin typeface="Calibri" panose="020F0502020204030204" pitchFamily="34" charset="0"/>
+                        <a:ea typeface="Calibri" panose="020F0502020204030204" pitchFamily="34" charset="0"/>
+                        <a:cs typeface="Arial" panose="020B0604020202020204" pitchFamily="34" charset="0"/>
+                      </a:endParaRPr>
+                    </a:p>
+                  </a:txBody>
+                  <a:tcPr marL="27609" marR="27609" marT="0" marB="0"/>
+                </a:tc>
+                <a:extLst>
+                  <a:ext uri="{0D108BD9-81ED-4DB2-BD59-A6C34878D82A}">
+                    <a16:rowId xmlns:a16="http://schemas.microsoft.com/office/drawing/2014/main" val="3319608329"/>
+                  </a:ext>
+                </a:extLst>
+              </a:tr>
+            </a:tbl>
+          </a:graphicData>
+        </a:graphic>
+      </p:graphicFrame>
     </p:spTree>
     <p:extLst>
       <p:ext uri="{BB962C8B-B14F-4D97-AF65-F5344CB8AC3E}">
@@ -14228,7 +16096,7 @@
 </p:sld>
 </file>
 
-<file path=ppt/slides/slide7.xml><?xml version="1.0" encoding="utf-8"?>
+<file path=ppt/slides/slide9.xml><?xml version="1.0" encoding="utf-8"?>
 <p:sld xmlns:a="http://schemas.openxmlformats.org/drawingml/2006/main" xmlns:r="http://schemas.openxmlformats.org/officeDocument/2006/relationships" xmlns:p="http://schemas.openxmlformats.org/presentationml/2006/main">
   <p:cSld>
     <p:spTree>
@@ -14267,8 +16135,12 @@
           <a:lstStyle/>
           <a:p>
             <a:r>
+              <a:rPr lang="en-US" dirty="0" err="1"/>
+              <a:t>Vragen</a:t>
+            </a:r>
+            <a:r>
               <a:rPr lang="en-US" dirty="0"/>
-              <a:t>Retrospective</a:t>
+              <a:t> </a:t>
             </a:r>
           </a:p>
         </p:txBody>
@@ -14294,7 +16166,29 @@
           <a:bodyPr/>
           <a:lstStyle/>
           <a:p>
-            <a:endParaRPr lang="en-US"/>
+            <a:pPr lvl="1"/>
+            <a:r>
+              <a:rPr lang="nl-NL" dirty="0"/>
+              <a:t>Hoe ziet de database eruit?</a:t>
+            </a:r>
+          </a:p>
+          <a:p>
+            <a:pPr lvl="1"/>
+            <a:r>
+              <a:rPr lang="nl-NL" dirty="0"/>
+              <a:t>Wat zijn de minimale/maximale dimensies van de database?</a:t>
+            </a:r>
+          </a:p>
+          <a:p>
+            <a:pPr lvl="1"/>
+            <a:r>
+              <a:rPr lang="nl-NL" dirty="0"/>
+              <a:t>Zijn jullie tevreden met de lay-outs van de GUI?</a:t>
+            </a:r>
+          </a:p>
+          <a:p>
+            <a:pPr lvl="1"/>
+            <a:endParaRPr lang="nl-NL" dirty="0"/>
           </a:p>
         </p:txBody>
       </p:sp>
